--- a/중급반 수업 자료/1_C++/기초반 C++언어 강의자료/C++_10_Friend_연산자오버로딩_템플릿/C++_10_Friend_연산자오버로딩_템플릿.pptx
+++ b/중급반 수업 자료/1_C++/기초반 C++언어 강의자료/C++_10_Friend_연산자오버로딩_템플릿/C++_10_Friend_연산자오버로딩_템플릿.pptx
@@ -5,7 +5,7 @@
     <p:sldMasterId id="2147483648" r:id="rId1"/>
   </p:sldMasterIdLst>
   <p:notesMasterIdLst>
-    <p:notesMasterId r:id="rId31"/>
+    <p:notesMasterId r:id="rId32"/>
   </p:notesMasterIdLst>
   <p:sldIdLst>
     <p:sldId id="304" r:id="rId2"/>
@@ -36,40 +36,41 @@
     <p:sldId id="472" r:id="rId27"/>
     <p:sldId id="473" r:id="rId28"/>
     <p:sldId id="474" r:id="rId29"/>
-    <p:sldId id="318" r:id="rId30"/>
+    <p:sldId id="477" r:id="rId30"/>
+    <p:sldId id="318" r:id="rId31"/>
   </p:sldIdLst>
   <p:sldSz cx="9144000" cy="6858000" type="screen4x3"/>
   <p:notesSz cx="6858000" cy="9144000"/>
   <p:embeddedFontLst>
     <p:embeddedFont>
+      <p:font typeface="HY헤드라인M" pitchFamily="18" charset="-127"/>
+      <p:regular r:id="rId33"/>
+    </p:embeddedFont>
+    <p:embeddedFont>
       <p:font typeface="Segoe UI Black" pitchFamily="34" charset="0"/>
-      <p:bold r:id="rId32"/>
-      <p:boldItalic r:id="rId33"/>
+      <p:bold r:id="rId34"/>
+      <p:boldItalic r:id="rId35"/>
+    </p:embeddedFont>
+    <p:embeddedFont>
+      <p:font typeface="HY견고딕" pitchFamily="18" charset="-127"/>
+      <p:regular r:id="rId36"/>
+    </p:embeddedFont>
+    <p:embeddedFont>
+      <p:font typeface="Yoon 윤고딕 520_TT" charset="-127"/>
+      <p:regular r:id="rId37"/>
+    </p:embeddedFont>
+    <p:embeddedFont>
+      <p:font typeface="맑은 고딕" pitchFamily="50" charset="-127"/>
+      <p:regular r:id="rId38"/>
+      <p:bold r:id="rId39"/>
+    </p:embeddedFont>
+    <p:embeddedFont>
+      <p:font typeface="HY강B" charset="-127"/>
+      <p:regular r:id="rId40"/>
     </p:embeddedFont>
     <p:embeddedFont>
       <p:font typeface="HY강M" charset="-127"/>
-      <p:regular r:id="rId34"/>
-    </p:embeddedFont>
-    <p:embeddedFont>
-      <p:font typeface="Yoon 윤고딕 520_TT" charset="-127"/>
-      <p:regular r:id="rId35"/>
-    </p:embeddedFont>
-    <p:embeddedFont>
-      <p:font typeface="HY강B" charset="-127"/>
-      <p:regular r:id="rId36"/>
-    </p:embeddedFont>
-    <p:embeddedFont>
-      <p:font typeface="HY헤드라인M" pitchFamily="18" charset="-127"/>
-      <p:regular r:id="rId37"/>
-    </p:embeddedFont>
-    <p:embeddedFont>
-      <p:font typeface="HY견고딕" pitchFamily="18" charset="-127"/>
-      <p:regular r:id="rId38"/>
-    </p:embeddedFont>
-    <p:embeddedFont>
-      <p:font typeface="맑은 고딕" pitchFamily="50" charset="-127"/>
-      <p:regular r:id="rId39"/>
-      <p:bold r:id="rId40"/>
+      <p:regular r:id="rId41"/>
     </p:embeddedFont>
   </p:embeddedFontLst>
   <p:defaultTextStyle>
@@ -253,7 +254,7 @@
             <a:fld id="{E2E81C77-485D-47AA-9839-DA75671EEAD7}" type="datetimeFigureOut">
               <a:rPr lang="ko-KR" altLang="en-US" smtClean="0"/>
               <a:pPr/>
-              <a:t>2023-02-28 Tuesday</a:t>
+              <a:t>2023-03-06(Mon)</a:t>
             </a:fld>
             <a:endParaRPr lang="ko-KR" altLang="en-US"/>
           </a:p>
@@ -424,7 +425,7 @@
     </p:spTree>
     <p:extLst>
       <p:ext uri="{BB962C8B-B14F-4D97-AF65-F5344CB8AC3E}">
-        <p14:creationId xmlns:p14="http://schemas.microsoft.com/office/powerpoint/2010/main" val="492446176"/>
+        <p14:creationId xmlns:p14="http://schemas.microsoft.com/office/powerpoint/2010/main" xmlns="" val="492446176"/>
       </p:ext>
     </p:extLst>
   </p:cSld>
@@ -599,7 +600,7 @@
     </p:spTree>
     <p:extLst>
       <p:ext uri="{BB962C8B-B14F-4D97-AF65-F5344CB8AC3E}">
-        <p14:creationId xmlns:p14="http://schemas.microsoft.com/office/powerpoint/2010/main" val="1669715103"/>
+        <p14:creationId xmlns:p14="http://schemas.microsoft.com/office/powerpoint/2010/main" xmlns="" val="1669715103"/>
       </p:ext>
     </p:extLst>
   </p:cSld>
@@ -684,7 +685,7 @@
     </p:spTree>
     <p:extLst>
       <p:ext uri="{BB962C8B-B14F-4D97-AF65-F5344CB8AC3E}">
-        <p14:creationId xmlns:p14="http://schemas.microsoft.com/office/powerpoint/2010/main" val="640136246"/>
+        <p14:creationId xmlns:p14="http://schemas.microsoft.com/office/powerpoint/2010/main" xmlns="" val="640136246"/>
       </p:ext>
     </p:extLst>
   </p:cSld>
@@ -769,7 +770,7 @@
     </p:spTree>
     <p:extLst>
       <p:ext uri="{BB962C8B-B14F-4D97-AF65-F5344CB8AC3E}">
-        <p14:creationId xmlns:p14="http://schemas.microsoft.com/office/powerpoint/2010/main" val="640136246"/>
+        <p14:creationId xmlns:p14="http://schemas.microsoft.com/office/powerpoint/2010/main" xmlns="" val="640136246"/>
       </p:ext>
     </p:extLst>
   </p:cSld>
@@ -854,7 +855,7 @@
     </p:spTree>
     <p:extLst>
       <p:ext uri="{BB962C8B-B14F-4D97-AF65-F5344CB8AC3E}">
-        <p14:creationId xmlns:p14="http://schemas.microsoft.com/office/powerpoint/2010/main" val="640136246"/>
+        <p14:creationId xmlns:p14="http://schemas.microsoft.com/office/powerpoint/2010/main" xmlns="" val="640136246"/>
       </p:ext>
     </p:extLst>
   </p:cSld>
@@ -939,7 +940,7 @@
     </p:spTree>
     <p:extLst>
       <p:ext uri="{BB962C8B-B14F-4D97-AF65-F5344CB8AC3E}">
-        <p14:creationId xmlns:p14="http://schemas.microsoft.com/office/powerpoint/2010/main" val="640136246"/>
+        <p14:creationId xmlns:p14="http://schemas.microsoft.com/office/powerpoint/2010/main" xmlns="" val="640136246"/>
       </p:ext>
     </p:extLst>
   </p:cSld>
@@ -1024,7 +1025,7 @@
     </p:spTree>
     <p:extLst>
       <p:ext uri="{BB962C8B-B14F-4D97-AF65-F5344CB8AC3E}">
-        <p14:creationId xmlns:p14="http://schemas.microsoft.com/office/powerpoint/2010/main" val="640136246"/>
+        <p14:creationId xmlns:p14="http://schemas.microsoft.com/office/powerpoint/2010/main" xmlns="" val="640136246"/>
       </p:ext>
     </p:extLst>
   </p:cSld>
@@ -1216,7 +1217,7 @@
             <a:fld id="{3A302466-FE76-40E8-BE5D-598A609EDD2B}" type="datetimeFigureOut">
               <a:rPr lang="ko-KR" altLang="en-US" smtClean="0"/>
               <a:pPr/>
-              <a:t>2023-02-28 Tuesday</a:t>
+              <a:t>2023-03-06(Mon)</a:t>
             </a:fld>
             <a:endParaRPr lang="ko-KR" altLang="en-US"/>
           </a:p>
@@ -1268,7 +1269,7 @@
     </p:spTree>
     <p:extLst>
       <p:ext uri="{BB962C8B-B14F-4D97-AF65-F5344CB8AC3E}">
-        <p14:creationId xmlns:p14="http://schemas.microsoft.com/office/powerpoint/2010/main" val="1332922983"/>
+        <p14:creationId xmlns:p14="http://schemas.microsoft.com/office/powerpoint/2010/main" xmlns="" val="1332922983"/>
       </p:ext>
     </p:extLst>
   </p:cSld>
@@ -1388,7 +1389,7 @@
             <a:fld id="{3A302466-FE76-40E8-BE5D-598A609EDD2B}" type="datetimeFigureOut">
               <a:rPr lang="ko-KR" altLang="en-US" smtClean="0"/>
               <a:pPr/>
-              <a:t>2023-02-28 Tuesday</a:t>
+              <a:t>2023-03-06(Mon)</a:t>
             </a:fld>
             <a:endParaRPr lang="ko-KR" altLang="en-US"/>
           </a:p>
@@ -1440,7 +1441,7 @@
     </p:spTree>
     <p:extLst>
       <p:ext uri="{BB962C8B-B14F-4D97-AF65-F5344CB8AC3E}">
-        <p14:creationId xmlns:p14="http://schemas.microsoft.com/office/powerpoint/2010/main" val="1337871443"/>
+        <p14:creationId xmlns:p14="http://schemas.microsoft.com/office/powerpoint/2010/main" xmlns="" val="1337871443"/>
       </p:ext>
     </p:extLst>
   </p:cSld>
@@ -1570,7 +1571,7 @@
             <a:fld id="{3A302466-FE76-40E8-BE5D-598A609EDD2B}" type="datetimeFigureOut">
               <a:rPr lang="ko-KR" altLang="en-US" smtClean="0"/>
               <a:pPr/>
-              <a:t>2023-02-28 Tuesday</a:t>
+              <a:t>2023-03-06(Mon)</a:t>
             </a:fld>
             <a:endParaRPr lang="ko-KR" altLang="en-US"/>
           </a:p>
@@ -1622,7 +1623,7 @@
     </p:spTree>
     <p:extLst>
       <p:ext uri="{BB962C8B-B14F-4D97-AF65-F5344CB8AC3E}">
-        <p14:creationId xmlns:p14="http://schemas.microsoft.com/office/powerpoint/2010/main" val="1023622450"/>
+        <p14:creationId xmlns:p14="http://schemas.microsoft.com/office/powerpoint/2010/main" xmlns="" val="1023622450"/>
       </p:ext>
     </p:extLst>
   </p:cSld>
@@ -1742,7 +1743,7 @@
             <a:fld id="{3A302466-FE76-40E8-BE5D-598A609EDD2B}" type="datetimeFigureOut">
               <a:rPr lang="ko-KR" altLang="en-US" smtClean="0"/>
               <a:pPr/>
-              <a:t>2023-02-28 Tuesday</a:t>
+              <a:t>2023-03-06(Mon)</a:t>
             </a:fld>
             <a:endParaRPr lang="ko-KR" altLang="en-US"/>
           </a:p>
@@ -1794,7 +1795,7 @@
     </p:spTree>
     <p:extLst>
       <p:ext uri="{BB962C8B-B14F-4D97-AF65-F5344CB8AC3E}">
-        <p14:creationId xmlns:p14="http://schemas.microsoft.com/office/powerpoint/2010/main" val="269583639"/>
+        <p14:creationId xmlns:p14="http://schemas.microsoft.com/office/powerpoint/2010/main" xmlns="" val="269583639"/>
       </p:ext>
     </p:extLst>
   </p:cSld>
@@ -1990,7 +1991,7 @@
             <a:fld id="{3A302466-FE76-40E8-BE5D-598A609EDD2B}" type="datetimeFigureOut">
               <a:rPr lang="ko-KR" altLang="en-US" smtClean="0"/>
               <a:pPr/>
-              <a:t>2023-02-28 Tuesday</a:t>
+              <a:t>2023-03-06(Mon)</a:t>
             </a:fld>
             <a:endParaRPr lang="ko-KR" altLang="en-US"/>
           </a:p>
@@ -2042,7 +2043,7 @@
     </p:spTree>
     <p:extLst>
       <p:ext uri="{BB962C8B-B14F-4D97-AF65-F5344CB8AC3E}">
-        <p14:creationId xmlns:p14="http://schemas.microsoft.com/office/powerpoint/2010/main" val="2870371007"/>
+        <p14:creationId xmlns:p14="http://schemas.microsoft.com/office/powerpoint/2010/main" xmlns="" val="2870371007"/>
       </p:ext>
     </p:extLst>
   </p:cSld>
@@ -2280,7 +2281,7 @@
             <a:fld id="{3A302466-FE76-40E8-BE5D-598A609EDD2B}" type="datetimeFigureOut">
               <a:rPr lang="ko-KR" altLang="en-US" smtClean="0"/>
               <a:pPr/>
-              <a:t>2023-02-28 Tuesday</a:t>
+              <a:t>2023-03-06(Mon)</a:t>
             </a:fld>
             <a:endParaRPr lang="ko-KR" altLang="en-US"/>
           </a:p>
@@ -2332,7 +2333,7 @@
     </p:spTree>
     <p:extLst>
       <p:ext uri="{BB962C8B-B14F-4D97-AF65-F5344CB8AC3E}">
-        <p14:creationId xmlns:p14="http://schemas.microsoft.com/office/powerpoint/2010/main" val="440812356"/>
+        <p14:creationId xmlns:p14="http://schemas.microsoft.com/office/powerpoint/2010/main" xmlns="" val="440812356"/>
       </p:ext>
     </p:extLst>
   </p:cSld>
@@ -2704,7 +2705,7 @@
             <a:fld id="{3A302466-FE76-40E8-BE5D-598A609EDD2B}" type="datetimeFigureOut">
               <a:rPr lang="ko-KR" altLang="en-US" smtClean="0"/>
               <a:pPr/>
-              <a:t>2023-02-28 Tuesday</a:t>
+              <a:t>2023-03-06(Mon)</a:t>
             </a:fld>
             <a:endParaRPr lang="ko-KR" altLang="en-US"/>
           </a:p>
@@ -2756,7 +2757,7 @@
     </p:spTree>
     <p:extLst>
       <p:ext uri="{BB962C8B-B14F-4D97-AF65-F5344CB8AC3E}">
-        <p14:creationId xmlns:p14="http://schemas.microsoft.com/office/powerpoint/2010/main" val="4207424120"/>
+        <p14:creationId xmlns:p14="http://schemas.microsoft.com/office/powerpoint/2010/main" xmlns="" val="4207424120"/>
       </p:ext>
     </p:extLst>
   </p:cSld>
@@ -2824,7 +2825,7 @@
             <a:fld id="{3A302466-FE76-40E8-BE5D-598A609EDD2B}" type="datetimeFigureOut">
               <a:rPr lang="ko-KR" altLang="en-US" smtClean="0"/>
               <a:pPr/>
-              <a:t>2023-02-28 Tuesday</a:t>
+              <a:t>2023-03-06(Mon)</a:t>
             </a:fld>
             <a:endParaRPr lang="ko-KR" altLang="en-US"/>
           </a:p>
@@ -2876,7 +2877,7 @@
     </p:spTree>
     <p:extLst>
       <p:ext uri="{BB962C8B-B14F-4D97-AF65-F5344CB8AC3E}">
-        <p14:creationId xmlns:p14="http://schemas.microsoft.com/office/powerpoint/2010/main" val="3537374911"/>
+        <p14:creationId xmlns:p14="http://schemas.microsoft.com/office/powerpoint/2010/main" xmlns="" val="3537374911"/>
       </p:ext>
     </p:extLst>
   </p:cSld>
@@ -2921,7 +2922,7 @@
             <a:fld id="{3A302466-FE76-40E8-BE5D-598A609EDD2B}" type="datetimeFigureOut">
               <a:rPr lang="ko-KR" altLang="en-US" smtClean="0"/>
               <a:pPr/>
-              <a:t>2023-02-28 Tuesday</a:t>
+              <a:t>2023-03-06(Mon)</a:t>
             </a:fld>
             <a:endParaRPr lang="ko-KR" altLang="en-US"/>
           </a:p>
@@ -2973,7 +2974,7 @@
     </p:spTree>
     <p:extLst>
       <p:ext uri="{BB962C8B-B14F-4D97-AF65-F5344CB8AC3E}">
-        <p14:creationId xmlns:p14="http://schemas.microsoft.com/office/powerpoint/2010/main" val="2873456233"/>
+        <p14:creationId xmlns:p14="http://schemas.microsoft.com/office/powerpoint/2010/main" xmlns="" val="2873456233"/>
       </p:ext>
     </p:extLst>
   </p:cSld>
@@ -3200,7 +3201,7 @@
             <a:fld id="{3A302466-FE76-40E8-BE5D-598A609EDD2B}" type="datetimeFigureOut">
               <a:rPr lang="ko-KR" altLang="en-US" smtClean="0"/>
               <a:pPr/>
-              <a:t>2023-02-28 Tuesday</a:t>
+              <a:t>2023-03-06(Mon)</a:t>
             </a:fld>
             <a:endParaRPr lang="ko-KR" altLang="en-US"/>
           </a:p>
@@ -3252,7 +3253,7 @@
     </p:spTree>
     <p:extLst>
       <p:ext uri="{BB962C8B-B14F-4D97-AF65-F5344CB8AC3E}">
-        <p14:creationId xmlns:p14="http://schemas.microsoft.com/office/powerpoint/2010/main" val="450026426"/>
+        <p14:creationId xmlns:p14="http://schemas.microsoft.com/office/powerpoint/2010/main" xmlns="" val="450026426"/>
       </p:ext>
     </p:extLst>
   </p:cSld>
@@ -3455,7 +3456,7 @@
             <a:fld id="{3A302466-FE76-40E8-BE5D-598A609EDD2B}" type="datetimeFigureOut">
               <a:rPr lang="ko-KR" altLang="en-US" smtClean="0"/>
               <a:pPr/>
-              <a:t>2023-02-28 Tuesday</a:t>
+              <a:t>2023-03-06(Mon)</a:t>
             </a:fld>
             <a:endParaRPr lang="ko-KR" altLang="en-US"/>
           </a:p>
@@ -3507,7 +3508,7 @@
     </p:spTree>
     <p:extLst>
       <p:ext uri="{BB962C8B-B14F-4D97-AF65-F5344CB8AC3E}">
-        <p14:creationId xmlns:p14="http://schemas.microsoft.com/office/powerpoint/2010/main" val="2152713510"/>
+        <p14:creationId xmlns:p14="http://schemas.microsoft.com/office/powerpoint/2010/main" xmlns="" val="2152713510"/>
       </p:ext>
     </p:extLst>
   </p:cSld>
@@ -3670,7 +3671,7 @@
             <a:fld id="{3A302466-FE76-40E8-BE5D-598A609EDD2B}" type="datetimeFigureOut">
               <a:rPr lang="ko-KR" altLang="en-US" smtClean="0"/>
               <a:pPr/>
-              <a:t>2023-02-28 Tuesday</a:t>
+              <a:t>2023-03-06(Mon)</a:t>
             </a:fld>
             <a:endParaRPr lang="ko-KR" altLang="en-US"/>
           </a:p>
@@ -3758,7 +3759,7 @@
     </p:spTree>
     <p:extLst>
       <p:ext uri="{BB962C8B-B14F-4D97-AF65-F5344CB8AC3E}">
-        <p14:creationId xmlns:p14="http://schemas.microsoft.com/office/powerpoint/2010/main" val="3059972613"/>
+        <p14:creationId xmlns:p14="http://schemas.microsoft.com/office/powerpoint/2010/main" xmlns="" val="3059972613"/>
       </p:ext>
     </p:extLst>
   </p:cSld>
@@ -4332,20 +4333,20 @@
     </p:spTree>
     <p:extLst>
       <p:ext uri="{BB962C8B-B14F-4D97-AF65-F5344CB8AC3E}">
-        <p14:creationId xmlns:p14="http://schemas.microsoft.com/office/powerpoint/2010/main" val="863398130"/>
+        <p14:creationId xmlns:p14="http://schemas.microsoft.com/office/powerpoint/2010/main" xmlns="" val="863398130"/>
       </p:ext>
     </p:extLst>
   </p:cSld>
   <p:clrMapOvr>
     <a:masterClrMapping/>
   </p:clrMapOvr>
-  <mc:AlternateContent xmlns:mc="http://schemas.openxmlformats.org/markup-compatibility/2006" xmlns:p14="http://schemas.microsoft.com/office/powerpoint/2010/main">
-    <mc:Choice Requires="p14">
+  <mc:AlternateContent xmlns:mc="http://schemas.openxmlformats.org/markup-compatibility/2006">
+    <mc:Choice xmlns:p14="http://schemas.microsoft.com/office/powerpoint/2010/main" xmlns="" Requires="p14">
       <p:transition spd="med" p14:dur="700" advTm="111">
         <p:fade/>
       </p:transition>
     </mc:Choice>
-    <mc:Fallback xmlns="">
+    <mc:Fallback>
       <p:transition spd="med" advTm="111">
         <p:fade/>
       </p:transition>
@@ -5225,20 +5226,20 @@
     </p:spTree>
     <p:extLst>
       <p:ext uri="{BB962C8B-B14F-4D97-AF65-F5344CB8AC3E}">
-        <p14:creationId xmlns:p14="http://schemas.microsoft.com/office/powerpoint/2010/main" val="1177805125"/>
+        <p14:creationId xmlns:p14="http://schemas.microsoft.com/office/powerpoint/2010/main" xmlns="" val="1177805125"/>
       </p:ext>
     </p:extLst>
   </p:cSld>
   <p:clrMapOvr>
     <a:masterClrMapping/>
   </p:clrMapOvr>
-  <mc:AlternateContent xmlns:mc="http://schemas.openxmlformats.org/markup-compatibility/2006" xmlns:p14="http://schemas.microsoft.com/office/powerpoint/2010/main">
-    <mc:Choice Requires="p14">
+  <mc:AlternateContent xmlns:mc="http://schemas.openxmlformats.org/markup-compatibility/2006">
+    <mc:Choice xmlns:p14="http://schemas.microsoft.com/office/powerpoint/2010/main" xmlns="" Requires="p14">
       <p:transition spd="med" p14:dur="700">
         <p:fade/>
       </p:transition>
     </mc:Choice>
-    <mc:Fallback xmlns="">
+    <mc:Fallback>
       <p:transition spd="med">
         <p:fade/>
       </p:transition>
@@ -5829,7 +5830,7 @@
           <p:nvPr>
             <p:extLst>
               <p:ext uri="{D42A27DB-BD31-4B8C-83A1-F6EECF244321}">
-                <p14:modId xmlns:p14="http://schemas.microsoft.com/office/powerpoint/2010/main" val="1524923444"/>
+                <p14:modId xmlns:p14="http://schemas.microsoft.com/office/powerpoint/2010/main" xmlns="" val="3411953375"/>
               </p:ext>
             </p:extLst>
           </p:nvPr>
@@ -6103,20 +6104,20 @@
     </p:spTree>
     <p:extLst>
       <p:ext uri="{BB962C8B-B14F-4D97-AF65-F5344CB8AC3E}">
-        <p14:creationId xmlns:p14="http://schemas.microsoft.com/office/powerpoint/2010/main" val="1600740400"/>
+        <p14:creationId xmlns:p14="http://schemas.microsoft.com/office/powerpoint/2010/main" xmlns="" val="1600740400"/>
       </p:ext>
     </p:extLst>
   </p:cSld>
   <p:clrMapOvr>
     <a:masterClrMapping/>
   </p:clrMapOvr>
-  <mc:AlternateContent xmlns:mc="http://schemas.openxmlformats.org/markup-compatibility/2006" xmlns:p14="http://schemas.microsoft.com/office/powerpoint/2010/main">
-    <mc:Choice Requires="p14">
+  <mc:AlternateContent xmlns:mc="http://schemas.openxmlformats.org/markup-compatibility/2006">
+    <mc:Choice xmlns:p14="http://schemas.microsoft.com/office/powerpoint/2010/main" xmlns="" Requires="p14">
       <p:transition spd="med" p14:dur="700">
         <p:fade/>
       </p:transition>
     </mc:Choice>
-    <mc:Fallback xmlns="">
+    <mc:Fallback>
       <p:transition spd="med">
         <p:fade/>
       </p:transition>
@@ -7335,20 +7336,20 @@
     </p:spTree>
     <p:extLst>
       <p:ext uri="{BB962C8B-B14F-4D97-AF65-F5344CB8AC3E}">
-        <p14:creationId xmlns:p14="http://schemas.microsoft.com/office/powerpoint/2010/main" val="3666271142"/>
+        <p14:creationId xmlns:p14="http://schemas.microsoft.com/office/powerpoint/2010/main" xmlns="" val="3666271142"/>
       </p:ext>
     </p:extLst>
   </p:cSld>
   <p:clrMapOvr>
     <a:masterClrMapping/>
   </p:clrMapOvr>
-  <mc:AlternateContent xmlns:mc="http://schemas.openxmlformats.org/markup-compatibility/2006" xmlns:p14="http://schemas.microsoft.com/office/powerpoint/2010/main">
-    <mc:Choice Requires="p14">
+  <mc:AlternateContent xmlns:mc="http://schemas.openxmlformats.org/markup-compatibility/2006">
+    <mc:Choice xmlns:p14="http://schemas.microsoft.com/office/powerpoint/2010/main" xmlns="" Requires="p14">
       <p:transition spd="med" p14:dur="700">
         <p:fade/>
       </p:transition>
     </mc:Choice>
-    <mc:Fallback xmlns="">
+    <mc:Fallback>
       <p:transition spd="med">
         <p:fade/>
       </p:transition>
@@ -8451,20 +8452,20 @@
     </p:spTree>
     <p:extLst>
       <p:ext uri="{BB962C8B-B14F-4D97-AF65-F5344CB8AC3E}">
-        <p14:creationId xmlns:p14="http://schemas.microsoft.com/office/powerpoint/2010/main" val="3855098629"/>
+        <p14:creationId xmlns:p14="http://schemas.microsoft.com/office/powerpoint/2010/main" xmlns="" val="3855098629"/>
       </p:ext>
     </p:extLst>
   </p:cSld>
   <p:clrMapOvr>
     <a:masterClrMapping/>
   </p:clrMapOvr>
-  <mc:AlternateContent xmlns:mc="http://schemas.openxmlformats.org/markup-compatibility/2006" xmlns:p14="http://schemas.microsoft.com/office/powerpoint/2010/main">
-    <mc:Choice Requires="p14">
+  <mc:AlternateContent xmlns:mc="http://schemas.openxmlformats.org/markup-compatibility/2006">
+    <mc:Choice xmlns:p14="http://schemas.microsoft.com/office/powerpoint/2010/main" xmlns="" Requires="p14">
       <p:transition spd="med" p14:dur="700">
         <p:fade/>
       </p:transition>
     </mc:Choice>
-    <mc:Fallback xmlns="">
+    <mc:Fallback>
       <p:transition spd="med">
         <p:fade/>
       </p:transition>
@@ -9156,21 +9157,50 @@
                 <a:latin typeface="HY견고딕" pitchFamily="18" charset="-127"/>
                 <a:ea typeface="HY견고딕" pitchFamily="18" charset="-127"/>
               </a:rPr>
-              <a:t>operator </a:t>
-            </a:r>
+              <a:t>operator ++() { ++cnt1; ++cnt2; }</a:t>
+            </a:r>
+          </a:p>
+          <a:p>
             <a:r>
               <a:rPr lang="en-US" altLang="ko-KR" sz="1200" dirty="0" smtClean="0">
                 <a:latin typeface="HY견고딕" pitchFamily="18" charset="-127"/>
                 <a:ea typeface="HY견고딕" pitchFamily="18" charset="-127"/>
               </a:rPr>
-              <a:t>++() </a:t>
+              <a:t>	void </a:t>
             </a:r>
             <a:r>
               <a:rPr lang="en-US" altLang="ko-KR" sz="1200" dirty="0">
                 <a:latin typeface="HY견고딕" pitchFamily="18" charset="-127"/>
                 <a:ea typeface="HY견고딕" pitchFamily="18" charset="-127"/>
               </a:rPr>
-              <a:t>{ ++cnt1; ++cnt2; }</a:t>
+              <a:t>operator --() { --cnt1; --cnt2;}</a:t>
+            </a:r>
+          </a:p>
+          <a:p>
+            <a:r>
+              <a:rPr lang="en-US" altLang="ko-KR" sz="1200" dirty="0">
+                <a:latin typeface="HY견고딕" pitchFamily="18" charset="-127"/>
+                <a:ea typeface="HY견고딕" pitchFamily="18" charset="-127"/>
+              </a:rPr>
+              <a:t>};</a:t>
+            </a:r>
+          </a:p>
+          <a:p>
+            <a:r>
+              <a:rPr lang="en-US" altLang="ko-KR" sz="1200" dirty="0">
+                <a:latin typeface="HY견고딕" pitchFamily="18" charset="-127"/>
+                <a:ea typeface="HY견고딕" pitchFamily="18" charset="-127"/>
+              </a:rPr>
+              <a:t>void main() </a:t>
+            </a:r>
+          </a:p>
+          <a:p>
+            <a:r>
+              <a:rPr lang="en-US" altLang="ko-KR" sz="1200" dirty="0">
+                <a:latin typeface="HY견고딕" pitchFamily="18" charset="-127"/>
+                <a:ea typeface="HY견고딕" pitchFamily="18" charset="-127"/>
+              </a:rPr>
+              <a:t>{</a:t>
             </a:r>
           </a:p>
           <a:p>
@@ -9179,119 +9209,86 @@
                 <a:latin typeface="HY견고딕" pitchFamily="18" charset="-127"/>
                 <a:ea typeface="HY견고딕" pitchFamily="18" charset="-127"/>
               </a:rPr>
-              <a:t>	void </a:t>
+              <a:t>	Count </a:t>
             </a:r>
             <a:r>
               <a:rPr lang="en-US" altLang="ko-KR" sz="1200" dirty="0">
                 <a:latin typeface="HY견고딕" pitchFamily="18" charset="-127"/>
                 <a:ea typeface="HY견고딕" pitchFamily="18" charset="-127"/>
               </a:rPr>
-              <a:t>operator --() { --cnt1; --cnt2;}</a:t>
-            </a:r>
-          </a:p>
-          <a:p>
+              <a:t>co1(5,10), co2;</a:t>
+            </a:r>
+          </a:p>
+          <a:p>
+            <a:r>
+              <a:rPr lang="en-US" altLang="ko-KR" sz="1200" dirty="0" smtClean="0">
+                <a:latin typeface="HY견고딕" pitchFamily="18" charset="-127"/>
+                <a:ea typeface="HY견고딕" pitchFamily="18" charset="-127"/>
+              </a:rPr>
+              <a:t>	++</a:t>
+            </a:r>
             <a:r>
               <a:rPr lang="en-US" altLang="ko-KR" sz="1200" dirty="0">
                 <a:latin typeface="HY견고딕" pitchFamily="18" charset="-127"/>
                 <a:ea typeface="HY견고딕" pitchFamily="18" charset="-127"/>
               </a:rPr>
-              <a:t>};</a:t>
-            </a:r>
-          </a:p>
-          <a:p>
+              <a:t>co1; </a:t>
+            </a:r>
+          </a:p>
+          <a:p>
+            <a:r>
+              <a:rPr lang="en-US" altLang="ko-KR" sz="1200" dirty="0" smtClean="0">
+                <a:latin typeface="HY견고딕" pitchFamily="18" charset="-127"/>
+                <a:ea typeface="HY견고딕" pitchFamily="18" charset="-127"/>
+              </a:rPr>
+              <a:t>	--</a:t>
+            </a:r>
             <a:r>
               <a:rPr lang="en-US" altLang="ko-KR" sz="1200" dirty="0">
                 <a:latin typeface="HY견고딕" pitchFamily="18" charset="-127"/>
                 <a:ea typeface="HY견고딕" pitchFamily="18" charset="-127"/>
               </a:rPr>
-              <a:t>void main() </a:t>
-            </a:r>
-          </a:p>
-          <a:p>
+              <a:t>co2;</a:t>
+            </a:r>
+          </a:p>
+          <a:p>
+            <a:r>
+              <a:rPr lang="en-US" altLang="ko-KR" sz="1200" dirty="0" smtClean="0">
+                <a:latin typeface="HY견고딕" pitchFamily="18" charset="-127"/>
+                <a:ea typeface="HY견고딕" pitchFamily="18" charset="-127"/>
+              </a:rPr>
+              <a:t>	</a:t>
+            </a:r>
+            <a:r>
+              <a:rPr lang="en-US" altLang="ko-KR" sz="1200" dirty="0" err="1" smtClean="0">
+                <a:latin typeface="HY견고딕" pitchFamily="18" charset="-127"/>
+                <a:ea typeface="HY견고딕" pitchFamily="18" charset="-127"/>
+              </a:rPr>
+              <a:t>cout</a:t>
+            </a:r>
+            <a:r>
+              <a:rPr lang="en-US" altLang="ko-KR" sz="1200" dirty="0" smtClean="0">
+                <a:latin typeface="HY견고딕" pitchFamily="18" charset="-127"/>
+                <a:ea typeface="HY견고딕" pitchFamily="18" charset="-127"/>
+              </a:rPr>
+              <a:t> </a:t>
+            </a:r>
             <a:r>
               <a:rPr lang="en-US" altLang="ko-KR" sz="1200" dirty="0">
                 <a:latin typeface="HY견고딕" pitchFamily="18" charset="-127"/>
                 <a:ea typeface="HY견고딕" pitchFamily="18" charset="-127"/>
               </a:rPr>
-              <a:t>{</a:t>
-            </a:r>
-          </a:p>
-          <a:p>
-            <a:r>
-              <a:rPr lang="en-US" altLang="ko-KR" sz="1200" dirty="0" smtClean="0">
-                <a:latin typeface="HY견고딕" pitchFamily="18" charset="-127"/>
-                <a:ea typeface="HY견고딕" pitchFamily="18" charset="-127"/>
-              </a:rPr>
-              <a:t>	Count </a:t>
-            </a:r>
-            <a:r>
-              <a:rPr lang="en-US" altLang="ko-KR" sz="1200" dirty="0">
-                <a:latin typeface="HY견고딕" pitchFamily="18" charset="-127"/>
-                <a:ea typeface="HY견고딕" pitchFamily="18" charset="-127"/>
-              </a:rPr>
-              <a:t>co1(5,10), co2;</a:t>
-            </a:r>
-          </a:p>
-          <a:p>
-            <a:r>
-              <a:rPr lang="en-US" altLang="ko-KR" sz="1200" dirty="0" smtClean="0">
-                <a:latin typeface="HY견고딕" pitchFamily="18" charset="-127"/>
-                <a:ea typeface="HY견고딕" pitchFamily="18" charset="-127"/>
-              </a:rPr>
-              <a:t>	++co1; </a:t>
-            </a:r>
-            <a:endParaRPr lang="en-US" altLang="ko-KR" sz="1200" dirty="0">
-              <a:latin typeface="HY견고딕" pitchFamily="18" charset="-127"/>
-              <a:ea typeface="HY견고딕" pitchFamily="18" charset="-127"/>
-            </a:endParaRPr>
-          </a:p>
-          <a:p>
-            <a:r>
-              <a:rPr lang="en-US" altLang="ko-KR" sz="1200" dirty="0" smtClean="0">
-                <a:latin typeface="HY견고딕" pitchFamily="18" charset="-127"/>
-                <a:ea typeface="HY견고딕" pitchFamily="18" charset="-127"/>
-              </a:rPr>
-              <a:t>	--</a:t>
-            </a:r>
-            <a:r>
-              <a:rPr lang="en-US" altLang="ko-KR" sz="1200" dirty="0">
-                <a:latin typeface="HY견고딕" pitchFamily="18" charset="-127"/>
-                <a:ea typeface="HY견고딕" pitchFamily="18" charset="-127"/>
-              </a:rPr>
-              <a:t>co2;</a:t>
-            </a:r>
-          </a:p>
-          <a:p>
-            <a:r>
-              <a:rPr lang="en-US" altLang="ko-KR" sz="1200" dirty="0" smtClean="0">
-                <a:latin typeface="HY견고딕" pitchFamily="18" charset="-127"/>
-                <a:ea typeface="HY견고딕" pitchFamily="18" charset="-127"/>
-              </a:rPr>
-              <a:t>	</a:t>
-            </a:r>
-            <a:r>
-              <a:rPr lang="en-US" altLang="ko-KR" sz="1200" dirty="0" err="1" smtClean="0">
-                <a:latin typeface="HY견고딕" pitchFamily="18" charset="-127"/>
-                <a:ea typeface="HY견고딕" pitchFamily="18" charset="-127"/>
-              </a:rPr>
-              <a:t>cout</a:t>
-            </a:r>
-            <a:r>
-              <a:rPr lang="en-US" altLang="ko-KR" sz="1200" dirty="0" smtClean="0">
-                <a:latin typeface="HY견고딕" pitchFamily="18" charset="-127"/>
-                <a:ea typeface="HY견고딕" pitchFamily="18" charset="-127"/>
-              </a:rPr>
-              <a:t> </a:t>
-            </a:r>
-            <a:r>
-              <a:rPr lang="en-US" altLang="ko-KR" sz="1200" dirty="0">
-                <a:latin typeface="HY견고딕" pitchFamily="18" charset="-127"/>
-                <a:ea typeface="HY견고딕" pitchFamily="18" charset="-127"/>
-              </a:rPr>
-              <a:t>&lt;&lt; "co1.cnt1 : " &lt;&lt; co1.GetCnt1() &lt;&lt;"\</a:t>
-            </a:r>
-            <a:r>
-              <a:rPr lang="en-US" altLang="ko-KR" sz="1200" dirty="0" smtClean="0">
+              <a:t>&lt;&lt; "co1.cnt1 : " &lt;&lt; co1.GetCnt1() </a:t>
+            </a:r>
+            <a:r>
+              <a:rPr lang="en-US" altLang="ko-KR" sz="1200">
+                <a:latin typeface="HY견고딕" pitchFamily="18" charset="-127"/>
+                <a:ea typeface="HY견고딕" pitchFamily="18" charset="-127"/>
+              </a:rPr>
+              <a:t>&lt;&lt;"\</a:t>
+            </a:r>
+            <a:r>
+              <a:rPr lang="en-US" altLang="ko-KR" sz="1200" smtClean="0">
                 <a:latin typeface="HY견고딕" pitchFamily="18" charset="-127"/>
                 <a:ea typeface="HY견고딕" pitchFamily="18" charset="-127"/>
               </a:rPr>
@@ -9578,20 +9575,20 @@
     </p:spTree>
     <p:extLst>
       <p:ext uri="{BB962C8B-B14F-4D97-AF65-F5344CB8AC3E}">
-        <p14:creationId xmlns:p14="http://schemas.microsoft.com/office/powerpoint/2010/main" val="2216216962"/>
+        <p14:creationId xmlns:p14="http://schemas.microsoft.com/office/powerpoint/2010/main" xmlns="" val="2216216962"/>
       </p:ext>
     </p:extLst>
   </p:cSld>
   <p:clrMapOvr>
     <a:masterClrMapping/>
   </p:clrMapOvr>
-  <mc:AlternateContent xmlns:mc="http://schemas.openxmlformats.org/markup-compatibility/2006" xmlns:p14="http://schemas.microsoft.com/office/powerpoint/2010/main">
-    <mc:Choice Requires="p14">
+  <mc:AlternateContent xmlns:mc="http://schemas.openxmlformats.org/markup-compatibility/2006">
+    <mc:Choice xmlns:p14="http://schemas.microsoft.com/office/powerpoint/2010/main" xmlns="" Requires="p14">
       <p:transition spd="med" p14:dur="700">
         <p:fade/>
       </p:transition>
     </mc:Choice>
-    <mc:Fallback xmlns="">
+    <mc:Fallback>
       <p:transition spd="med">
         <p:fade/>
       </p:transition>
@@ -11051,20 +11048,20 @@
     </p:spTree>
     <p:extLst>
       <p:ext uri="{BB962C8B-B14F-4D97-AF65-F5344CB8AC3E}">
-        <p14:creationId xmlns:p14="http://schemas.microsoft.com/office/powerpoint/2010/main" val="2018033389"/>
+        <p14:creationId xmlns:p14="http://schemas.microsoft.com/office/powerpoint/2010/main" xmlns="" val="2018033389"/>
       </p:ext>
     </p:extLst>
   </p:cSld>
   <p:clrMapOvr>
     <a:masterClrMapping/>
   </p:clrMapOvr>
-  <mc:AlternateContent xmlns:mc="http://schemas.openxmlformats.org/markup-compatibility/2006" xmlns:p14="http://schemas.microsoft.com/office/powerpoint/2010/main">
-    <mc:Choice Requires="p14">
+  <mc:AlternateContent xmlns:mc="http://schemas.openxmlformats.org/markup-compatibility/2006">
+    <mc:Choice xmlns:p14="http://schemas.microsoft.com/office/powerpoint/2010/main" xmlns="" Requires="p14">
       <p:transition spd="med" p14:dur="700">
         <p:fade/>
       </p:transition>
     </mc:Choice>
-    <mc:Fallback xmlns="">
+    <mc:Fallback>
       <p:transition spd="med">
         <p:fade/>
       </p:transition>
@@ -11191,20 +11188,20 @@
     </p:spTree>
     <p:extLst>
       <p:ext uri="{BB962C8B-B14F-4D97-AF65-F5344CB8AC3E}">
-        <p14:creationId xmlns:p14="http://schemas.microsoft.com/office/powerpoint/2010/main" val="3836861919"/>
+        <p14:creationId xmlns:p14="http://schemas.microsoft.com/office/powerpoint/2010/main" xmlns="" val="3836861919"/>
       </p:ext>
     </p:extLst>
   </p:cSld>
   <p:clrMapOvr>
     <a:masterClrMapping/>
   </p:clrMapOvr>
-  <mc:AlternateContent xmlns:mc="http://schemas.openxmlformats.org/markup-compatibility/2006" xmlns:p14="http://schemas.microsoft.com/office/powerpoint/2010/main">
-    <mc:Choice Requires="p14">
+  <mc:AlternateContent xmlns:mc="http://schemas.openxmlformats.org/markup-compatibility/2006">
+    <mc:Choice xmlns:p14="http://schemas.microsoft.com/office/powerpoint/2010/main" xmlns="" Requires="p14">
       <p:transition spd="med" p14:dur="700">
         <p:fade/>
       </p:transition>
     </mc:Choice>
-    <mc:Fallback xmlns="">
+    <mc:Fallback>
       <p:transition spd="med">
         <p:fade/>
       </p:transition>
@@ -12131,20 +12128,20 @@
     </p:spTree>
     <p:extLst>
       <p:ext uri="{BB962C8B-B14F-4D97-AF65-F5344CB8AC3E}">
-        <p14:creationId xmlns:p14="http://schemas.microsoft.com/office/powerpoint/2010/main" val="3780366021"/>
+        <p14:creationId xmlns:p14="http://schemas.microsoft.com/office/powerpoint/2010/main" xmlns="" val="3780366021"/>
       </p:ext>
     </p:extLst>
   </p:cSld>
   <p:clrMapOvr>
     <a:masterClrMapping/>
   </p:clrMapOvr>
-  <mc:AlternateContent xmlns:mc="http://schemas.openxmlformats.org/markup-compatibility/2006" xmlns:p14="http://schemas.microsoft.com/office/powerpoint/2010/main">
-    <mc:Choice Requires="p14">
+  <mc:AlternateContent xmlns:mc="http://schemas.openxmlformats.org/markup-compatibility/2006">
+    <mc:Choice xmlns:p14="http://schemas.microsoft.com/office/powerpoint/2010/main" xmlns="" Requires="p14">
       <p:transition spd="med" p14:dur="700">
         <p:fade/>
       </p:transition>
     </mc:Choice>
-    <mc:Fallback xmlns="">
+    <mc:Fallback>
       <p:transition spd="med">
         <p:fade/>
       </p:transition>
@@ -13115,20 +13112,20 @@
     </p:spTree>
     <p:extLst>
       <p:ext uri="{BB962C8B-B14F-4D97-AF65-F5344CB8AC3E}">
-        <p14:creationId xmlns:p14="http://schemas.microsoft.com/office/powerpoint/2010/main" val="4186449367"/>
+        <p14:creationId xmlns:p14="http://schemas.microsoft.com/office/powerpoint/2010/main" xmlns="" val="4186449367"/>
       </p:ext>
     </p:extLst>
   </p:cSld>
   <p:clrMapOvr>
     <a:masterClrMapping/>
   </p:clrMapOvr>
-  <mc:AlternateContent xmlns:mc="http://schemas.openxmlformats.org/markup-compatibility/2006" xmlns:p14="http://schemas.microsoft.com/office/powerpoint/2010/main">
-    <mc:Choice Requires="p14">
+  <mc:AlternateContent xmlns:mc="http://schemas.openxmlformats.org/markup-compatibility/2006">
+    <mc:Choice xmlns:p14="http://schemas.microsoft.com/office/powerpoint/2010/main" xmlns="" Requires="p14">
       <p:transition spd="med" p14:dur="700">
         <p:fade/>
       </p:transition>
     </mc:Choice>
-    <mc:Fallback xmlns="">
+    <mc:Fallback>
       <p:transition spd="med">
         <p:fade/>
       </p:transition>
@@ -14080,20 +14077,20 @@
     </p:spTree>
     <p:extLst>
       <p:ext uri="{BB962C8B-B14F-4D97-AF65-F5344CB8AC3E}">
-        <p14:creationId xmlns:p14="http://schemas.microsoft.com/office/powerpoint/2010/main" val="529851377"/>
+        <p14:creationId xmlns:p14="http://schemas.microsoft.com/office/powerpoint/2010/main" xmlns="" val="529851377"/>
       </p:ext>
     </p:extLst>
   </p:cSld>
   <p:clrMapOvr>
     <a:masterClrMapping/>
   </p:clrMapOvr>
-  <mc:AlternateContent xmlns:mc="http://schemas.openxmlformats.org/markup-compatibility/2006" xmlns:p14="http://schemas.microsoft.com/office/powerpoint/2010/main">
-    <mc:Choice Requires="p14">
+  <mc:AlternateContent xmlns:mc="http://schemas.openxmlformats.org/markup-compatibility/2006">
+    <mc:Choice xmlns:p14="http://schemas.microsoft.com/office/powerpoint/2010/main" xmlns="" Requires="p14">
       <p:transition spd="med" p14:dur="700">
         <p:fade/>
       </p:transition>
     </mc:Choice>
-    <mc:Fallback xmlns="">
+    <mc:Fallback>
       <p:transition spd="med">
         <p:fade/>
       </p:transition>
@@ -14475,20 +14472,20 @@
     </p:spTree>
     <p:extLst>
       <p:ext uri="{BB962C8B-B14F-4D97-AF65-F5344CB8AC3E}">
-        <p14:creationId xmlns:p14="http://schemas.microsoft.com/office/powerpoint/2010/main" val="855986350"/>
+        <p14:creationId xmlns:p14="http://schemas.microsoft.com/office/powerpoint/2010/main" xmlns="" val="855986350"/>
       </p:ext>
     </p:extLst>
   </p:cSld>
   <p:clrMapOvr>
     <a:masterClrMapping/>
   </p:clrMapOvr>
-  <mc:AlternateContent xmlns:mc="http://schemas.openxmlformats.org/markup-compatibility/2006" xmlns:p14="http://schemas.microsoft.com/office/powerpoint/2010/main">
-    <mc:Choice Requires="p14">
+  <mc:AlternateContent xmlns:mc="http://schemas.openxmlformats.org/markup-compatibility/2006">
+    <mc:Choice xmlns:p14="http://schemas.microsoft.com/office/powerpoint/2010/main" xmlns="" Requires="p14">
       <p:transition spd="med" p14:dur="700" advTm="235">
         <p:fade/>
       </p:transition>
     </mc:Choice>
-    <mc:Fallback xmlns="">
+    <mc:Fallback>
       <p:transition spd="med" advTm="235">
         <p:fade/>
       </p:transition>
@@ -15688,20 +15685,20 @@
     </p:spTree>
     <p:extLst>
       <p:ext uri="{BB962C8B-B14F-4D97-AF65-F5344CB8AC3E}">
-        <p14:creationId xmlns:p14="http://schemas.microsoft.com/office/powerpoint/2010/main" val="1134761587"/>
+        <p14:creationId xmlns:p14="http://schemas.microsoft.com/office/powerpoint/2010/main" xmlns="" val="1134761587"/>
       </p:ext>
     </p:extLst>
   </p:cSld>
   <p:clrMapOvr>
     <a:masterClrMapping/>
   </p:clrMapOvr>
-  <mc:AlternateContent xmlns:mc="http://schemas.openxmlformats.org/markup-compatibility/2006" xmlns:p14="http://schemas.microsoft.com/office/powerpoint/2010/main">
-    <mc:Choice Requires="p14">
+  <mc:AlternateContent xmlns:mc="http://schemas.openxmlformats.org/markup-compatibility/2006">
+    <mc:Choice xmlns:p14="http://schemas.microsoft.com/office/powerpoint/2010/main" xmlns="" Requires="p14">
       <p:transition spd="med" p14:dur="700">
         <p:fade/>
       </p:transition>
     </mc:Choice>
-    <mc:Fallback xmlns="">
+    <mc:Fallback>
       <p:transition spd="med">
         <p:fade/>
       </p:transition>
@@ -16840,20 +16837,20 @@
     </p:spTree>
     <p:extLst>
       <p:ext uri="{BB962C8B-B14F-4D97-AF65-F5344CB8AC3E}">
-        <p14:creationId xmlns:p14="http://schemas.microsoft.com/office/powerpoint/2010/main" val="2017197651"/>
+        <p14:creationId xmlns:p14="http://schemas.microsoft.com/office/powerpoint/2010/main" xmlns="" val="2017197651"/>
       </p:ext>
     </p:extLst>
   </p:cSld>
   <p:clrMapOvr>
     <a:masterClrMapping/>
   </p:clrMapOvr>
-  <mc:AlternateContent xmlns:mc="http://schemas.openxmlformats.org/markup-compatibility/2006" xmlns:p14="http://schemas.microsoft.com/office/powerpoint/2010/main">
-    <mc:Choice Requires="p14">
+  <mc:AlternateContent xmlns:mc="http://schemas.openxmlformats.org/markup-compatibility/2006">
+    <mc:Choice xmlns:p14="http://schemas.microsoft.com/office/powerpoint/2010/main" xmlns="" Requires="p14">
       <p:transition spd="med" p14:dur="700">
         <p:fade/>
       </p:transition>
     </mc:Choice>
-    <mc:Fallback xmlns="">
+    <mc:Fallback>
       <p:transition spd="med">
         <p:fade/>
       </p:transition>
@@ -17924,20 +17921,20 @@
     </p:spTree>
     <p:extLst>
       <p:ext uri="{BB962C8B-B14F-4D97-AF65-F5344CB8AC3E}">
-        <p14:creationId xmlns:p14="http://schemas.microsoft.com/office/powerpoint/2010/main" val="94638364"/>
+        <p14:creationId xmlns:p14="http://schemas.microsoft.com/office/powerpoint/2010/main" xmlns="" val="94638364"/>
       </p:ext>
     </p:extLst>
   </p:cSld>
   <p:clrMapOvr>
     <a:masterClrMapping/>
   </p:clrMapOvr>
-  <mc:AlternateContent xmlns:mc="http://schemas.openxmlformats.org/markup-compatibility/2006" xmlns:p14="http://schemas.microsoft.com/office/powerpoint/2010/main">
-    <mc:Choice Requires="p14">
+  <mc:AlternateContent xmlns:mc="http://schemas.openxmlformats.org/markup-compatibility/2006">
+    <mc:Choice xmlns:p14="http://schemas.microsoft.com/office/powerpoint/2010/main" xmlns="" Requires="p14">
       <p:transition spd="med" p14:dur="700">
         <p:fade/>
       </p:transition>
     </mc:Choice>
-    <mc:Fallback xmlns="">
+    <mc:Fallback>
       <p:transition spd="med">
         <p:fade/>
       </p:transition>
@@ -19069,20 +19066,20 @@
     </p:spTree>
     <p:extLst>
       <p:ext uri="{BB962C8B-B14F-4D97-AF65-F5344CB8AC3E}">
-        <p14:creationId xmlns:p14="http://schemas.microsoft.com/office/powerpoint/2010/main" val="2519824141"/>
+        <p14:creationId xmlns:p14="http://schemas.microsoft.com/office/powerpoint/2010/main" xmlns="" val="2519824141"/>
       </p:ext>
     </p:extLst>
   </p:cSld>
   <p:clrMapOvr>
     <a:masterClrMapping/>
   </p:clrMapOvr>
-  <mc:AlternateContent xmlns:mc="http://schemas.openxmlformats.org/markup-compatibility/2006" xmlns:p14="http://schemas.microsoft.com/office/powerpoint/2010/main">
-    <mc:Choice Requires="p14">
+  <mc:AlternateContent xmlns:mc="http://schemas.openxmlformats.org/markup-compatibility/2006">
+    <mc:Choice xmlns:p14="http://schemas.microsoft.com/office/powerpoint/2010/main" xmlns="" Requires="p14">
       <p:transition spd="med" p14:dur="700">
         <p:fade/>
       </p:transition>
     </mc:Choice>
-    <mc:Fallback xmlns="">
+    <mc:Fallback>
       <p:transition spd="med">
         <p:fade/>
       </p:transition>
@@ -20026,20 +20023,20 @@
     </p:spTree>
     <p:extLst>
       <p:ext uri="{BB962C8B-B14F-4D97-AF65-F5344CB8AC3E}">
-        <p14:creationId xmlns:p14="http://schemas.microsoft.com/office/powerpoint/2010/main" val="1796866859"/>
+        <p14:creationId xmlns:p14="http://schemas.microsoft.com/office/powerpoint/2010/main" xmlns="" val="1796866859"/>
       </p:ext>
     </p:extLst>
   </p:cSld>
   <p:clrMapOvr>
     <a:masterClrMapping/>
   </p:clrMapOvr>
-  <mc:AlternateContent xmlns:mc="http://schemas.openxmlformats.org/markup-compatibility/2006" xmlns:p14="http://schemas.microsoft.com/office/powerpoint/2010/main">
-    <mc:Choice Requires="p14">
+  <mc:AlternateContent xmlns:mc="http://schemas.openxmlformats.org/markup-compatibility/2006">
+    <mc:Choice xmlns:p14="http://schemas.microsoft.com/office/powerpoint/2010/main" xmlns="" Requires="p14">
       <p:transition spd="med" p14:dur="700">
         <p:fade/>
       </p:transition>
     </mc:Choice>
-    <mc:Fallback xmlns="">
+    <mc:Fallback>
       <p:transition spd="med">
         <p:fade/>
       </p:transition>
@@ -20809,20 +20806,20 @@
     </p:spTree>
     <p:extLst>
       <p:ext uri="{BB962C8B-B14F-4D97-AF65-F5344CB8AC3E}">
-        <p14:creationId xmlns:p14="http://schemas.microsoft.com/office/powerpoint/2010/main" val="3302671604"/>
+        <p14:creationId xmlns:p14="http://schemas.microsoft.com/office/powerpoint/2010/main" xmlns="" val="3302671604"/>
       </p:ext>
     </p:extLst>
   </p:cSld>
   <p:clrMapOvr>
     <a:masterClrMapping/>
   </p:clrMapOvr>
-  <mc:AlternateContent xmlns:mc="http://schemas.openxmlformats.org/markup-compatibility/2006" xmlns:p14="http://schemas.microsoft.com/office/powerpoint/2010/main">
-    <mc:Choice Requires="p14">
+  <mc:AlternateContent xmlns:mc="http://schemas.openxmlformats.org/markup-compatibility/2006">
+    <mc:Choice xmlns:p14="http://schemas.microsoft.com/office/powerpoint/2010/main" xmlns="" Requires="p14">
       <p:transition spd="med" p14:dur="700">
         <p:fade/>
       </p:transition>
     </mc:Choice>
-    <mc:Fallback xmlns="">
+    <mc:Fallback>
       <p:transition spd="med">
         <p:fade/>
       </p:transition>
@@ -21931,20 +21928,20 @@
     </p:spTree>
     <p:extLst>
       <p:ext uri="{BB962C8B-B14F-4D97-AF65-F5344CB8AC3E}">
-        <p14:creationId xmlns:p14="http://schemas.microsoft.com/office/powerpoint/2010/main" val="1309389915"/>
+        <p14:creationId xmlns:p14="http://schemas.microsoft.com/office/powerpoint/2010/main" xmlns="" val="1309389915"/>
       </p:ext>
     </p:extLst>
   </p:cSld>
   <p:clrMapOvr>
     <a:masterClrMapping/>
   </p:clrMapOvr>
-  <mc:AlternateContent xmlns:mc="http://schemas.openxmlformats.org/markup-compatibility/2006" xmlns:p14="http://schemas.microsoft.com/office/powerpoint/2010/main">
-    <mc:Choice Requires="p14">
+  <mc:AlternateContent xmlns:mc="http://schemas.openxmlformats.org/markup-compatibility/2006">
+    <mc:Choice xmlns:p14="http://schemas.microsoft.com/office/powerpoint/2010/main" xmlns="" Requires="p14">
       <p:transition spd="med" p14:dur="700">
         <p:fade/>
       </p:transition>
     </mc:Choice>
-    <mc:Fallback xmlns="">
+    <mc:Fallback>
       <p:transition spd="med">
         <p:fade/>
       </p:transition>
@@ -23091,20 +23088,20 @@
     </p:spTree>
     <p:extLst>
       <p:ext uri="{BB962C8B-B14F-4D97-AF65-F5344CB8AC3E}">
-        <p14:creationId xmlns:p14="http://schemas.microsoft.com/office/powerpoint/2010/main" val="1904550565"/>
+        <p14:creationId xmlns:p14="http://schemas.microsoft.com/office/powerpoint/2010/main" xmlns="" val="1904550565"/>
       </p:ext>
     </p:extLst>
   </p:cSld>
   <p:clrMapOvr>
     <a:masterClrMapping/>
   </p:clrMapOvr>
-  <mc:AlternateContent xmlns:mc="http://schemas.openxmlformats.org/markup-compatibility/2006" xmlns:p14="http://schemas.microsoft.com/office/powerpoint/2010/main">
-    <mc:Choice Requires="p14">
+  <mc:AlternateContent xmlns:mc="http://schemas.openxmlformats.org/markup-compatibility/2006">
+    <mc:Choice xmlns:p14="http://schemas.microsoft.com/office/powerpoint/2010/main" xmlns="" Requires="p14">
       <p:transition spd="med" p14:dur="700">
         <p:fade/>
       </p:transition>
     </mc:Choice>
-    <mc:Fallback xmlns="">
+    <mc:Fallback>
       <p:transition spd="med">
         <p:fade/>
       </p:transition>
@@ -24218,20 +24215,20 @@
     </p:spTree>
     <p:extLst>
       <p:ext uri="{BB962C8B-B14F-4D97-AF65-F5344CB8AC3E}">
-        <p14:creationId xmlns:p14="http://schemas.microsoft.com/office/powerpoint/2010/main" val="1283482054"/>
+        <p14:creationId xmlns:p14="http://schemas.microsoft.com/office/powerpoint/2010/main" xmlns="" val="1283482054"/>
       </p:ext>
     </p:extLst>
   </p:cSld>
   <p:clrMapOvr>
     <a:masterClrMapping/>
   </p:clrMapOvr>
-  <mc:AlternateContent xmlns:mc="http://schemas.openxmlformats.org/markup-compatibility/2006" xmlns:p14="http://schemas.microsoft.com/office/powerpoint/2010/main">
-    <mc:Choice Requires="p14">
+  <mc:AlternateContent xmlns:mc="http://schemas.openxmlformats.org/markup-compatibility/2006">
+    <mc:Choice xmlns:p14="http://schemas.microsoft.com/office/powerpoint/2010/main" xmlns="" Requires="p14">
       <p:transition spd="med" p14:dur="700">
         <p:fade/>
       </p:transition>
     </mc:Choice>
-    <mc:Fallback xmlns="">
+    <mc:Fallback>
       <p:transition spd="med">
         <p:fade/>
       </p:transition>
@@ -24250,14 +24247,6 @@
 <file path=ppt/slides/slide29.xml><?xml version="1.0" encoding="utf-8"?>
 <p:sld xmlns:a="http://schemas.openxmlformats.org/drawingml/2006/main" xmlns:r="http://schemas.openxmlformats.org/officeDocument/2006/relationships" xmlns:p="http://schemas.openxmlformats.org/presentationml/2006/main">
   <p:cSld>
-    <p:bg>
-      <p:bgPr>
-        <a:solidFill>
-          <a:srgbClr val="272123"/>
-        </a:solidFill>
-        <a:effectLst/>
-      </p:bgPr>
-    </p:bg>
     <p:spTree>
       <p:nvGrpSpPr>
         <p:cNvPr id="1" name=""/>
@@ -24272,16 +24261,92 @@
           <a:chExt cx="0" cy="0"/>
         </a:xfrm>
       </p:grpSpPr>
-      <p:sp>
-        <p:nvSpPr>
-          <p:cNvPr id="4" name="TextBox 3"/>
+      <p:cxnSp>
+        <p:nvCxnSpPr>
+          <p:cNvPr id="4" name="직선 연결선 3"/>
+          <p:cNvCxnSpPr/>
+          <p:nvPr/>
+        </p:nvCxnSpPr>
+        <p:spPr>
+          <a:xfrm>
+            <a:off x="683568" y="-371068"/>
+            <a:ext cx="0" cy="7472476"/>
+          </a:xfrm>
+          <a:prstGeom prst="line">
+            <a:avLst/>
+          </a:prstGeom>
+          <a:ln>
+            <a:solidFill>
+              <a:schemeClr val="bg1">
+                <a:lumMod val="65000"/>
+                <a:alpha val="50000"/>
+              </a:schemeClr>
+            </a:solidFill>
+          </a:ln>
+        </p:spPr>
+        <p:style>
+          <a:lnRef idx="1">
+            <a:schemeClr val="accent1"/>
+          </a:lnRef>
+          <a:fillRef idx="0">
+            <a:schemeClr val="accent1"/>
+          </a:fillRef>
+          <a:effectRef idx="0">
+            <a:schemeClr val="accent1"/>
+          </a:effectRef>
+          <a:fontRef idx="minor">
+            <a:schemeClr val="tx1"/>
+          </a:fontRef>
+        </p:style>
+      </p:cxnSp>
+      <p:cxnSp>
+        <p:nvCxnSpPr>
+          <p:cNvPr id="5" name="직선 연결선 4"/>
+          <p:cNvCxnSpPr/>
+          <p:nvPr/>
+        </p:nvCxnSpPr>
+        <p:spPr>
+          <a:xfrm flipH="1">
+            <a:off x="692540" y="548680"/>
+            <a:ext cx="9295796" cy="0"/>
+          </a:xfrm>
+          <a:prstGeom prst="line">
+            <a:avLst/>
+          </a:prstGeom>
+          <a:ln>
+            <a:solidFill>
+              <a:schemeClr val="bg1">
+                <a:lumMod val="65000"/>
+                <a:alpha val="50000"/>
+              </a:schemeClr>
+            </a:solidFill>
+          </a:ln>
+        </p:spPr>
+        <p:style>
+          <a:lnRef idx="1">
+            <a:schemeClr val="accent1"/>
+          </a:lnRef>
+          <a:fillRef idx="0">
+            <a:schemeClr val="accent1"/>
+          </a:fillRef>
+          <a:effectRef idx="0">
+            <a:schemeClr val="accent1"/>
+          </a:effectRef>
+          <a:fontRef idx="minor">
+            <a:schemeClr val="tx1"/>
+          </a:fontRef>
+        </p:style>
+      </p:cxnSp>
+      <p:sp>
+        <p:nvSpPr>
+          <p:cNvPr id="15" name="TextBox 14"/>
           <p:cNvSpPr txBox="1"/>
           <p:nvPr/>
         </p:nvSpPr>
         <p:spPr>
           <a:xfrm>
-            <a:off x="2500298" y="3143248"/>
-            <a:ext cx="4214842" cy="584775"/>
+            <a:off x="743325" y="52491"/>
+            <a:ext cx="1956467" cy="369332"/>
           </a:xfrm>
           <a:prstGeom prst="rect">
             <a:avLst/>
@@ -24296,38 +24361,66 @@
           <a:p>
             <a:pPr algn="ctr"/>
             <a:r>
-              <a:rPr lang="en-US" altLang="ko-KR" sz="3200" b="1" dirty="0" smtClean="0">
-                <a:ln>
-                  <a:solidFill>
-                    <a:schemeClr val="bg1">
-                      <a:lumMod val="85000"/>
-                      <a:alpha val="30000"/>
-                    </a:schemeClr>
-                  </a:solidFill>
-                </a:ln>
-                <a:solidFill>
-                  <a:schemeClr val="bg1">
-                    <a:lumMod val="95000"/>
+              <a:rPr lang="ko-KR" altLang="en-US" b="1" dirty="0">
+                <a:ln>
+                  <a:solidFill>
+                    <a:schemeClr val="tx1">
+                      <a:alpha val="30000"/>
+                    </a:schemeClr>
+                  </a:solidFill>
+                </a:ln>
+                <a:solidFill>
+                  <a:srgbClr val="272123"/>
+                </a:solidFill>
+                <a:latin typeface="HY강B" pitchFamily="18" charset="-127"/>
+                <a:ea typeface="HY강B" pitchFamily="18" charset="-127"/>
+              </a:rPr>
+              <a:t>템</a:t>
+            </a:r>
+            <a:r>
+              <a:rPr lang="ko-KR" altLang="en-US" b="1" dirty="0" smtClean="0">
+                <a:ln>
+                  <a:solidFill>
+                    <a:schemeClr val="tx1">
+                      <a:alpha val="30000"/>
+                    </a:schemeClr>
+                  </a:solidFill>
+                </a:ln>
+                <a:solidFill>
+                  <a:srgbClr val="272123"/>
+                </a:solidFill>
+                <a:latin typeface="HY강B" pitchFamily="18" charset="-127"/>
+                <a:ea typeface="HY강B" pitchFamily="18" charset="-127"/>
+              </a:rPr>
+              <a:t>플릿</a:t>
+            </a:r>
+            <a:endParaRPr lang="en-US" altLang="ko-KR" b="1" dirty="0">
+              <a:ln>
+                <a:solidFill>
+                  <a:schemeClr val="tx1">
+                    <a:alpha val="30000"/>
                   </a:schemeClr>
                 </a:solidFill>
-                <a:latin typeface="HY헤드라인M" pitchFamily="18" charset="-127"/>
-                <a:ea typeface="HY헤드라인M" pitchFamily="18" charset="-127"/>
-              </a:rPr>
-              <a:t>Thank you</a:t>
-            </a:r>
-          </a:p>
-        </p:txBody>
-      </p:sp>
-      <p:sp>
-        <p:nvSpPr>
-          <p:cNvPr id="3" name="TextBox 2"/>
+              </a:ln>
+              <a:solidFill>
+                <a:srgbClr val="272123"/>
+              </a:solidFill>
+              <a:latin typeface="HY강B" pitchFamily="18" charset="-127"/>
+              <a:ea typeface="HY강B" pitchFamily="18" charset="-127"/>
+            </a:endParaRPr>
+          </a:p>
+        </p:txBody>
+      </p:sp>
+      <p:sp>
+        <p:nvSpPr>
+          <p:cNvPr id="26" name="TextBox 25"/>
           <p:cNvSpPr txBox="1"/>
           <p:nvPr/>
         </p:nvSpPr>
         <p:spPr>
           <a:xfrm>
-            <a:off x="6344064" y="5585231"/>
-            <a:ext cx="2754565" cy="307777"/>
+            <a:off x="123549" y="882386"/>
+            <a:ext cx="541363" cy="338554"/>
           </a:xfrm>
           <a:prstGeom prst="rect">
             <a:avLst/>
@@ -24341,11 +24434,10 @@
           <a:lstStyle/>
           <a:p>
             <a:r>
-              <a:rPr lang="ko-KR" altLang="en-US" sz="1400" dirty="0" smtClean="0">
-                <a:ln>
-                  <a:solidFill>
-                    <a:schemeClr val="bg1">
-                      <a:lumMod val="85000"/>
+              <a:rPr lang="en-US" altLang="ko-KR" sz="1600" dirty="0" smtClean="0">
+                <a:ln>
+                  <a:solidFill>
+                    <a:schemeClr val="tx1">
                       <a:alpha val="30000"/>
                     </a:schemeClr>
                   </a:solidFill>
@@ -24355,17 +24447,41 @@
                     <a:lumMod val="85000"/>
                   </a:schemeClr>
                 </a:solidFill>
-                <a:latin typeface="HY헤드라인M" pitchFamily="18" charset="-127"/>
-                <a:ea typeface="HY헤드라인M" pitchFamily="18" charset="-127"/>
-              </a:rPr>
-              <a:t>강사 </a:t>
-            </a:r>
-            <a:r>
-              <a:rPr lang="en-US" altLang="ko-KR" sz="1400" dirty="0" smtClean="0">
-                <a:ln>
-                  <a:solidFill>
-                    <a:schemeClr val="bg1">
-                      <a:lumMod val="85000"/>
+                <a:latin typeface="Yoon 윤고딕 520_TT" pitchFamily="18" charset="-127"/>
+                <a:ea typeface="Yoon 윤고딕 520_TT" pitchFamily="18" charset="-127"/>
+              </a:rPr>
+              <a:t>01</a:t>
+            </a:r>
+          </a:p>
+        </p:txBody>
+      </p:sp>
+      <p:sp>
+        <p:nvSpPr>
+          <p:cNvPr id="27" name="TextBox 26"/>
+          <p:cNvSpPr txBox="1"/>
+          <p:nvPr/>
+        </p:nvSpPr>
+        <p:spPr>
+          <a:xfrm>
+            <a:off x="107504" y="1412206"/>
+            <a:ext cx="450395" cy="338554"/>
+          </a:xfrm>
+          <a:prstGeom prst="rect">
+            <a:avLst/>
+          </a:prstGeom>
+          <a:noFill/>
+        </p:spPr>
+        <p:txBody>
+          <a:bodyPr wrap="square" rtlCol="0">
+            <a:spAutoFit/>
+          </a:bodyPr>
+          <a:lstStyle/>
+          <a:p>
+            <a:r>
+              <a:rPr lang="en-US" altLang="ko-KR" sz="1600" dirty="0" smtClean="0">
+                <a:ln>
+                  <a:solidFill>
+                    <a:schemeClr val="tx1">
                       <a:alpha val="30000"/>
                     </a:schemeClr>
                   </a:solidFill>
@@ -24375,17 +24491,41 @@
                     <a:lumMod val="85000"/>
                   </a:schemeClr>
                 </a:solidFill>
-                <a:latin typeface="HY헤드라인M" pitchFamily="18" charset="-127"/>
-                <a:ea typeface="HY헤드라인M" pitchFamily="18" charset="-127"/>
-              </a:rPr>
-              <a:t>|  </a:t>
-            </a:r>
-            <a:r>
-              <a:rPr lang="ko-KR" altLang="en-US" sz="1400" dirty="0" smtClean="0">
-                <a:ln>
-                  <a:solidFill>
-                    <a:schemeClr val="bg1">
-                      <a:lumMod val="85000"/>
+                <a:latin typeface="Yoon 윤고딕 520_TT" pitchFamily="18" charset="-127"/>
+                <a:ea typeface="Yoon 윤고딕 520_TT" pitchFamily="18" charset="-127"/>
+              </a:rPr>
+              <a:t>02</a:t>
+            </a:r>
+          </a:p>
+        </p:txBody>
+      </p:sp>
+      <p:sp>
+        <p:nvSpPr>
+          <p:cNvPr id="28" name="TextBox 27"/>
+          <p:cNvSpPr txBox="1"/>
+          <p:nvPr/>
+        </p:nvSpPr>
+        <p:spPr>
+          <a:xfrm>
+            <a:off x="107504" y="1891001"/>
+            <a:ext cx="450395" cy="338554"/>
+          </a:xfrm>
+          <a:prstGeom prst="rect">
+            <a:avLst/>
+          </a:prstGeom>
+          <a:noFill/>
+        </p:spPr>
+        <p:txBody>
+          <a:bodyPr wrap="square" rtlCol="0">
+            <a:spAutoFit/>
+          </a:bodyPr>
+          <a:lstStyle/>
+          <a:p>
+            <a:r>
+              <a:rPr lang="en-US" altLang="ko-KR" sz="1600" dirty="0" smtClean="0">
+                <a:ln>
+                  <a:solidFill>
+                    <a:schemeClr val="tx1">
                       <a:alpha val="30000"/>
                     </a:schemeClr>
                   </a:solidFill>
@@ -24395,24 +24535,280 @@
                     <a:lumMod val="85000"/>
                   </a:schemeClr>
                 </a:solidFill>
+                <a:latin typeface="Yoon 윤고딕 520_TT" pitchFamily="18" charset="-127"/>
+                <a:ea typeface="Yoon 윤고딕 520_TT" pitchFamily="18" charset="-127"/>
+              </a:rPr>
+              <a:t>03</a:t>
+            </a:r>
+          </a:p>
+        </p:txBody>
+      </p:sp>
+      <p:sp>
+        <p:nvSpPr>
+          <p:cNvPr id="29" name="TextBox 28"/>
+          <p:cNvSpPr txBox="1"/>
+          <p:nvPr/>
+        </p:nvSpPr>
+        <p:spPr>
+          <a:xfrm>
+            <a:off x="107504" y="1912272"/>
+            <a:ext cx="450395" cy="338554"/>
+          </a:xfrm>
+          <a:prstGeom prst="rect">
+            <a:avLst/>
+          </a:prstGeom>
+          <a:noFill/>
+        </p:spPr>
+        <p:txBody>
+          <a:bodyPr wrap="square" rtlCol="0">
+            <a:spAutoFit/>
+          </a:bodyPr>
+          <a:lstStyle/>
+          <a:p>
+            <a:r>
+              <a:rPr lang="en-US" altLang="ko-KR" sz="1600" dirty="0" smtClean="0">
+                <a:ln>
+                  <a:solidFill>
+                    <a:schemeClr val="tx1">
+                      <a:alpha val="30000"/>
+                    </a:schemeClr>
+                  </a:solidFill>
+                </a:ln>
+                <a:solidFill>
+                  <a:schemeClr val="bg1">
+                    <a:lumMod val="85000"/>
+                  </a:schemeClr>
+                </a:solidFill>
+                <a:latin typeface="Yoon 윤고딕 520_TT" pitchFamily="18" charset="-127"/>
+                <a:ea typeface="Yoon 윤고딕 520_TT" pitchFamily="18" charset="-127"/>
+              </a:rPr>
+              <a:t>02</a:t>
+            </a:r>
+          </a:p>
+        </p:txBody>
+      </p:sp>
+      <p:sp>
+        <p:nvSpPr>
+          <p:cNvPr id="30" name="직사각형 29"/>
+          <p:cNvSpPr/>
+          <p:nvPr/>
+        </p:nvSpPr>
+        <p:spPr>
+          <a:xfrm>
+            <a:off x="0" y="1861767"/>
+            <a:ext cx="834325" cy="343501"/>
+          </a:xfrm>
+          <a:prstGeom prst="rect">
+            <a:avLst/>
+          </a:prstGeom>
+          <a:solidFill>
+            <a:srgbClr val="272123"/>
+          </a:solidFill>
+          <a:ln>
+            <a:noFill/>
+          </a:ln>
+        </p:spPr>
+        <p:style>
+          <a:lnRef idx="2">
+            <a:schemeClr val="accent1">
+              <a:shade val="50000"/>
+            </a:schemeClr>
+          </a:lnRef>
+          <a:fillRef idx="1">
+            <a:schemeClr val="accent1"/>
+          </a:fillRef>
+          <a:effectRef idx="0">
+            <a:schemeClr val="accent1"/>
+          </a:effectRef>
+          <a:fontRef idx="minor">
+            <a:schemeClr val="lt1"/>
+          </a:fontRef>
+        </p:style>
+        <p:txBody>
+          <a:bodyPr rtlCol="0" anchor="ctr"/>
+          <a:lstStyle/>
+          <a:p>
+            <a:pPr algn="ctr"/>
+            <a:endParaRPr lang="ko-KR" altLang="en-US"/>
+          </a:p>
+        </p:txBody>
+      </p:sp>
+      <p:sp>
+        <p:nvSpPr>
+          <p:cNvPr id="31" name="직각 삼각형 30"/>
+          <p:cNvSpPr/>
+          <p:nvPr/>
+        </p:nvSpPr>
+        <p:spPr>
+          <a:xfrm rot="5400000">
+            <a:off x="712038" y="2191841"/>
+            <a:ext cx="81142" cy="108000"/>
+          </a:xfrm>
+          <a:prstGeom prst="rtTriangle">
+            <a:avLst/>
+          </a:prstGeom>
+          <a:solidFill>
+            <a:schemeClr val="tx1"/>
+          </a:solidFill>
+          <a:ln>
+            <a:solidFill>
+              <a:schemeClr val="tx1"/>
+            </a:solidFill>
+          </a:ln>
+        </p:spPr>
+        <p:style>
+          <a:lnRef idx="2">
+            <a:schemeClr val="accent1">
+              <a:shade val="50000"/>
+            </a:schemeClr>
+          </a:lnRef>
+          <a:fillRef idx="1">
+            <a:schemeClr val="accent1"/>
+          </a:fillRef>
+          <a:effectRef idx="0">
+            <a:schemeClr val="accent1"/>
+          </a:effectRef>
+          <a:fontRef idx="minor">
+            <a:schemeClr val="lt1"/>
+          </a:fontRef>
+        </p:style>
+        <p:txBody>
+          <a:bodyPr rtlCol="0" anchor="ctr"/>
+          <a:lstStyle/>
+          <a:p>
+            <a:pPr algn="ctr"/>
+            <a:endParaRPr lang="ko-KR" altLang="en-US"/>
+          </a:p>
+        </p:txBody>
+      </p:sp>
+      <p:sp>
+        <p:nvSpPr>
+          <p:cNvPr id="32" name="TextBox 31"/>
+          <p:cNvSpPr txBox="1"/>
+          <p:nvPr/>
+        </p:nvSpPr>
+        <p:spPr>
+          <a:xfrm>
+            <a:off x="132832" y="1857364"/>
+            <a:ext cx="541363" cy="338554"/>
+          </a:xfrm>
+          <a:prstGeom prst="rect">
+            <a:avLst/>
+          </a:prstGeom>
+          <a:noFill/>
+        </p:spPr>
+        <p:txBody>
+          <a:bodyPr wrap="square" rtlCol="0">
+            <a:spAutoFit/>
+          </a:bodyPr>
+          <a:lstStyle/>
+          <a:p>
+            <a:r>
+              <a:rPr lang="en-US" altLang="ko-KR" sz="1600" dirty="0" smtClean="0">
+                <a:ln>
+                  <a:solidFill>
+                    <a:schemeClr val="bg1">
+                      <a:lumMod val="85000"/>
+                      <a:alpha val="30000"/>
+                    </a:schemeClr>
+                  </a:solidFill>
+                </a:ln>
+                <a:solidFill>
+                  <a:schemeClr val="bg1">
+                    <a:lumMod val="95000"/>
+                  </a:schemeClr>
+                </a:solidFill>
+                <a:latin typeface="Yoon 윤고딕 520_TT" pitchFamily="18" charset="-127"/>
+                <a:ea typeface="Yoon 윤고딕 520_TT" pitchFamily="18" charset="-127"/>
+              </a:rPr>
+              <a:t>03</a:t>
+            </a:r>
+          </a:p>
+        </p:txBody>
+      </p:sp>
+      <p:sp>
+        <p:nvSpPr>
+          <p:cNvPr id="13" name="TextBox 12"/>
+          <p:cNvSpPr txBox="1"/>
+          <p:nvPr/>
+        </p:nvSpPr>
+        <p:spPr>
+          <a:xfrm>
+            <a:off x="1425988" y="662230"/>
+            <a:ext cx="3590030" cy="369332"/>
+          </a:xfrm>
+          <a:prstGeom prst="rect">
+            <a:avLst/>
+          </a:prstGeom>
+          <a:noFill/>
+        </p:spPr>
+        <p:txBody>
+          <a:bodyPr wrap="square" rtlCol="0">
+            <a:spAutoFit/>
+          </a:bodyPr>
+          <a:lstStyle/>
+          <a:p>
+            <a:r>
+              <a:rPr lang="ko-KR" altLang="en-US" dirty="0">
+                <a:ln>
+                  <a:solidFill>
+                    <a:schemeClr val="tx1">
+                      <a:alpha val="30000"/>
+                    </a:schemeClr>
+                  </a:solidFill>
+                </a:ln>
+                <a:solidFill>
+                  <a:srgbClr val="272123"/>
+                </a:solidFill>
                 <a:latin typeface="HY헤드라인M" pitchFamily="18" charset="-127"/>
                 <a:ea typeface="HY헤드라인M" pitchFamily="18" charset="-127"/>
               </a:rPr>
-              <a:t>최정호</a:t>
-            </a:r>
-            <a:endParaRPr lang="en-US" altLang="ko-KR" sz="1400" dirty="0" smtClean="0">
+              <a:t>템</a:t>
+            </a:r>
+            <a:r>
+              <a:rPr lang="ko-KR" altLang="en-US" dirty="0" smtClean="0">
+                <a:ln>
+                  <a:solidFill>
+                    <a:schemeClr val="tx1">
+                      <a:alpha val="30000"/>
+                    </a:schemeClr>
+                  </a:solidFill>
+                </a:ln>
+                <a:solidFill>
+                  <a:srgbClr val="272123"/>
+                </a:solidFill>
+                <a:latin typeface="HY헤드라인M" pitchFamily="18" charset="-127"/>
+                <a:ea typeface="HY헤드라인M" pitchFamily="18" charset="-127"/>
+              </a:rPr>
+              <a:t>플릿 </a:t>
+            </a:r>
+            <a:r>
+              <a:rPr lang="en-US" altLang="ko-KR" dirty="0" smtClean="0">
+                <a:ln>
+                  <a:solidFill>
+                    <a:schemeClr val="tx1">
+                      <a:alpha val="30000"/>
+                    </a:schemeClr>
+                  </a:solidFill>
+                </a:ln>
+                <a:solidFill>
+                  <a:srgbClr val="272123"/>
+                </a:solidFill>
+                <a:latin typeface="HY헤드라인M" pitchFamily="18" charset="-127"/>
+                <a:ea typeface="HY헤드라인M" pitchFamily="18" charset="-127"/>
+              </a:rPr>
+              <a:t>Class</a:t>
+            </a:r>
+            <a:endParaRPr lang="en-US" altLang="ko-KR" dirty="0" smtClean="0">
               <a:ln>
                 <a:solidFill>
-                  <a:schemeClr val="bg1">
-                    <a:lumMod val="85000"/>
+                  <a:schemeClr val="tx1">
                     <a:alpha val="30000"/>
                   </a:schemeClr>
                 </a:solidFill>
               </a:ln>
               <a:solidFill>
-                <a:schemeClr val="bg1">
-                  <a:lumMod val="85000"/>
-                </a:schemeClr>
+                <a:srgbClr val="272123"/>
               </a:solidFill>
               <a:latin typeface="HY헤드라인M" pitchFamily="18" charset="-127"/>
               <a:ea typeface="HY헤드라인M" pitchFamily="18" charset="-127"/>
@@ -24420,23 +24816,198 @@
           </a:p>
         </p:txBody>
       </p:sp>
+      <p:sp>
+        <p:nvSpPr>
+          <p:cNvPr id="14" name="갈매기형 수장 13"/>
+          <p:cNvSpPr/>
+          <p:nvPr/>
+        </p:nvSpPr>
+        <p:spPr>
+          <a:xfrm>
+            <a:off x="1255558" y="769687"/>
+            <a:ext cx="140381" cy="154419"/>
+          </a:xfrm>
+          <a:prstGeom prst="chevron">
+            <a:avLst/>
+          </a:prstGeom>
+          <a:solidFill>
+            <a:srgbClr val="272123"/>
+          </a:solidFill>
+          <a:ln>
+            <a:noFill/>
+          </a:ln>
+        </p:spPr>
+        <p:style>
+          <a:lnRef idx="2">
+            <a:schemeClr val="accent1">
+              <a:shade val="50000"/>
+            </a:schemeClr>
+          </a:lnRef>
+          <a:fillRef idx="1">
+            <a:schemeClr val="accent1"/>
+          </a:fillRef>
+          <a:effectRef idx="0">
+            <a:schemeClr val="accent1"/>
+          </a:effectRef>
+          <a:fontRef idx="minor">
+            <a:schemeClr val="lt1"/>
+          </a:fontRef>
+        </p:style>
+        <p:txBody>
+          <a:bodyPr rtlCol="0" anchor="ctr"/>
+          <a:lstStyle/>
+          <a:p>
+            <a:pPr algn="ctr"/>
+            <a:endParaRPr lang="ko-KR" altLang="en-US">
+              <a:solidFill>
+                <a:schemeClr val="tx1"/>
+              </a:solidFill>
+            </a:endParaRPr>
+          </a:p>
+        </p:txBody>
+      </p:sp>
+      <p:sp>
+        <p:nvSpPr>
+          <p:cNvPr id="16" name="갈매기형 수장 15"/>
+          <p:cNvSpPr/>
+          <p:nvPr/>
+        </p:nvSpPr>
+        <p:spPr>
+          <a:xfrm>
+            <a:off x="1107907" y="769687"/>
+            <a:ext cx="140381" cy="154419"/>
+          </a:xfrm>
+          <a:prstGeom prst="chevron">
+            <a:avLst/>
+          </a:prstGeom>
+          <a:solidFill>
+            <a:srgbClr val="272123"/>
+          </a:solidFill>
+          <a:ln>
+            <a:noFill/>
+          </a:ln>
+        </p:spPr>
+        <p:style>
+          <a:lnRef idx="2">
+            <a:schemeClr val="accent1">
+              <a:shade val="50000"/>
+            </a:schemeClr>
+          </a:lnRef>
+          <a:fillRef idx="1">
+            <a:schemeClr val="accent1"/>
+          </a:fillRef>
+          <a:effectRef idx="0">
+            <a:schemeClr val="accent1"/>
+          </a:effectRef>
+          <a:fontRef idx="minor">
+            <a:schemeClr val="lt1"/>
+          </a:fontRef>
+        </p:style>
+        <p:txBody>
+          <a:bodyPr rtlCol="0" anchor="ctr"/>
+          <a:lstStyle/>
+          <a:p>
+            <a:pPr algn="ctr"/>
+            <a:endParaRPr lang="ko-KR" altLang="en-US">
+              <a:solidFill>
+                <a:schemeClr val="tx1"/>
+              </a:solidFill>
+            </a:endParaRPr>
+          </a:p>
+        </p:txBody>
+      </p:sp>
+      <p:sp>
+        <p:nvSpPr>
+          <p:cNvPr id="17" name="TextBox 16"/>
+          <p:cNvSpPr txBox="1"/>
+          <p:nvPr/>
+        </p:nvSpPr>
+        <p:spPr>
+          <a:xfrm>
+            <a:off x="1045276" y="3212976"/>
+            <a:ext cx="7784247" cy="584775"/>
+          </a:xfrm>
+          <a:prstGeom prst="rect">
+            <a:avLst/>
+          </a:prstGeom>
+          <a:noFill/>
+        </p:spPr>
+        <p:txBody>
+          <a:bodyPr wrap="square" rtlCol="0">
+            <a:spAutoFit/>
+          </a:bodyPr>
+          <a:lstStyle/>
+          <a:p>
+            <a:pPr marL="171450" indent="-171450">
+              <a:buFont typeface="Arial" pitchFamily="34" charset="0"/>
+              <a:buChar char="•"/>
+            </a:pPr>
+            <a:r>
+              <a:rPr lang="ko-KR" altLang="en-US" sz="3200" dirty="0" smtClean="0">
+                <a:latin typeface="HY견고딕" pitchFamily="18" charset="-127"/>
+                <a:ea typeface="HY견고딕" pitchFamily="18" charset="-127"/>
+              </a:rPr>
+              <a:t>템플릿</a:t>
+            </a:r>
+            <a:r>
+              <a:rPr lang="en-US" altLang="ko-KR" sz="3200" dirty="0" smtClean="0">
+                <a:latin typeface="HY견고딕" pitchFamily="18" charset="-127"/>
+                <a:ea typeface="HY견고딕" pitchFamily="18" charset="-127"/>
+              </a:rPr>
+              <a:t>_Stack</a:t>
+            </a:r>
+            <a:r>
+              <a:rPr lang="ko-KR" altLang="en-US" sz="3200" smtClean="0">
+                <a:latin typeface="HY견고딕" pitchFamily="18" charset="-127"/>
+                <a:ea typeface="HY견고딕" pitchFamily="18" charset="-127"/>
+              </a:rPr>
+              <a:t>활용예제</a:t>
+            </a:r>
+            <a:r>
+              <a:rPr lang="en-US" altLang="ko-KR" sz="3200" smtClean="0">
+                <a:latin typeface="HY견고딕" pitchFamily="18" charset="-127"/>
+                <a:ea typeface="HY견고딕" pitchFamily="18" charset="-127"/>
+              </a:rPr>
+              <a:t>.</a:t>
+            </a:r>
+            <a:r>
+              <a:rPr lang="en-US" altLang="ko-KR" sz="3200" dirty="0" smtClean="0">
+                <a:latin typeface="HY견고딕" pitchFamily="18" charset="-127"/>
+                <a:ea typeface="HY견고딕" pitchFamily="18" charset="-127"/>
+              </a:rPr>
+              <a:t>txt </a:t>
+            </a:r>
+            <a:r>
+              <a:rPr lang="ko-KR" altLang="en-US" sz="3200" dirty="0" smtClean="0">
+                <a:latin typeface="HY견고딕" pitchFamily="18" charset="-127"/>
+                <a:ea typeface="HY견고딕" pitchFamily="18" charset="-127"/>
+              </a:rPr>
+              <a:t>참고</a:t>
+            </a:r>
+            <a:endParaRPr lang="en-US" altLang="ko-KR" sz="3200" dirty="0">
+              <a:latin typeface="HY견고딕" pitchFamily="18" charset="-127"/>
+              <a:ea typeface="HY견고딕" pitchFamily="18" charset="-127"/>
+            </a:endParaRPr>
+          </a:p>
+        </p:txBody>
+      </p:sp>
     </p:spTree>
     <p:extLst>
       <p:ext uri="{BB962C8B-B14F-4D97-AF65-F5344CB8AC3E}">
-        <p14:creationId xmlns:p14="http://schemas.microsoft.com/office/powerpoint/2010/main" val="3836861919"/>
+        <p14:creationId xmlns:p14="http://schemas.microsoft.com/office/powerpoint/2010/main" xmlns="" val="3302671604"/>
       </p:ext>
     </p:extLst>
   </p:cSld>
   <p:clrMapOvr>
     <a:masterClrMapping/>
   </p:clrMapOvr>
-  <mc:AlternateContent xmlns:mc="http://schemas.openxmlformats.org/markup-compatibility/2006" xmlns:p14="http://schemas.microsoft.com/office/powerpoint/2010/main">
-    <mc:Choice Requires="p14">
+  <mc:AlternateContent xmlns:mc="http://schemas.openxmlformats.org/markup-compatibility/2006">
+    <mc:Choice xmlns:p14="http://schemas.microsoft.com/office/powerpoint/2010/main" xmlns="" Requires="p14">
       <p:transition spd="med" p14:dur="700">
         <p:fade/>
       </p:transition>
     </mc:Choice>
-    <mc:Fallback xmlns="">
+    <mc:Fallback>
       <p:transition spd="med">
         <p:fade/>
       </p:transition>
@@ -24526,21 +25097,226 @@
     </p:spTree>
     <p:extLst>
       <p:ext uri="{BB962C8B-B14F-4D97-AF65-F5344CB8AC3E}">
-        <p14:creationId xmlns:p14="http://schemas.microsoft.com/office/powerpoint/2010/main" val="3836861919"/>
+        <p14:creationId xmlns:p14="http://schemas.microsoft.com/office/powerpoint/2010/main" xmlns="" val="3836861919"/>
       </p:ext>
     </p:extLst>
   </p:cSld>
   <p:clrMapOvr>
     <a:masterClrMapping/>
   </p:clrMapOvr>
-  <mc:AlternateContent xmlns:mc="http://schemas.openxmlformats.org/markup-compatibility/2006" xmlns:p14="http://schemas.microsoft.com/office/powerpoint/2010/main">
-    <mc:Choice Requires="p14">
+  <mc:AlternateContent xmlns:mc="http://schemas.openxmlformats.org/markup-compatibility/2006">
+    <mc:Choice xmlns:p14="http://schemas.microsoft.com/office/powerpoint/2010/main" xmlns="" Requires="p14">
       <p:transition spd="med" p14:dur="700" advTm="292">
         <p:fade/>
       </p:transition>
     </mc:Choice>
-    <mc:Fallback xmlns="">
+    <mc:Fallback>
       <p:transition spd="med" advTm="292">
+        <p:fade/>
+      </p:transition>
+    </mc:Fallback>
+  </mc:AlternateContent>
+  <p:timing>
+    <p:tnLst>
+      <p:par>
+        <p:cTn id="1" dur="indefinite" restart="never" nodeType="tmRoot"/>
+      </p:par>
+    </p:tnLst>
+  </p:timing>
+</p:sld>
+</file>
+
+<file path=ppt/slides/slide30.xml><?xml version="1.0" encoding="utf-8"?>
+<p:sld xmlns:a="http://schemas.openxmlformats.org/drawingml/2006/main" xmlns:r="http://schemas.openxmlformats.org/officeDocument/2006/relationships" xmlns:p="http://schemas.openxmlformats.org/presentationml/2006/main">
+  <p:cSld>
+    <p:bg>
+      <p:bgPr>
+        <a:solidFill>
+          <a:srgbClr val="272123"/>
+        </a:solidFill>
+        <a:effectLst/>
+      </p:bgPr>
+    </p:bg>
+    <p:spTree>
+      <p:nvGrpSpPr>
+        <p:cNvPr id="1" name=""/>
+        <p:cNvGrpSpPr/>
+        <p:nvPr/>
+      </p:nvGrpSpPr>
+      <p:grpSpPr>
+        <a:xfrm>
+          <a:off x="0" y="0"/>
+          <a:ext cx="0" cy="0"/>
+          <a:chOff x="0" y="0"/>
+          <a:chExt cx="0" cy="0"/>
+        </a:xfrm>
+      </p:grpSpPr>
+      <p:sp>
+        <p:nvSpPr>
+          <p:cNvPr id="4" name="TextBox 3"/>
+          <p:cNvSpPr txBox="1"/>
+          <p:nvPr/>
+        </p:nvSpPr>
+        <p:spPr>
+          <a:xfrm>
+            <a:off x="2500298" y="3143248"/>
+            <a:ext cx="4214842" cy="584775"/>
+          </a:xfrm>
+          <a:prstGeom prst="rect">
+            <a:avLst/>
+          </a:prstGeom>
+          <a:noFill/>
+        </p:spPr>
+        <p:txBody>
+          <a:bodyPr wrap="square" rtlCol="0">
+            <a:spAutoFit/>
+          </a:bodyPr>
+          <a:lstStyle/>
+          <a:p>
+            <a:pPr algn="ctr"/>
+            <a:r>
+              <a:rPr lang="en-US" altLang="ko-KR" sz="3200" b="1" dirty="0" smtClean="0">
+                <a:ln>
+                  <a:solidFill>
+                    <a:schemeClr val="bg1">
+                      <a:lumMod val="85000"/>
+                      <a:alpha val="30000"/>
+                    </a:schemeClr>
+                  </a:solidFill>
+                </a:ln>
+                <a:solidFill>
+                  <a:schemeClr val="bg1">
+                    <a:lumMod val="95000"/>
+                  </a:schemeClr>
+                </a:solidFill>
+                <a:latin typeface="HY헤드라인M" pitchFamily="18" charset="-127"/>
+                <a:ea typeface="HY헤드라인M" pitchFamily="18" charset="-127"/>
+              </a:rPr>
+              <a:t>Thank you</a:t>
+            </a:r>
+          </a:p>
+        </p:txBody>
+      </p:sp>
+      <p:sp>
+        <p:nvSpPr>
+          <p:cNvPr id="3" name="TextBox 2"/>
+          <p:cNvSpPr txBox="1"/>
+          <p:nvPr/>
+        </p:nvSpPr>
+        <p:spPr>
+          <a:xfrm>
+            <a:off x="6344064" y="5585231"/>
+            <a:ext cx="2754565" cy="307777"/>
+          </a:xfrm>
+          <a:prstGeom prst="rect">
+            <a:avLst/>
+          </a:prstGeom>
+          <a:noFill/>
+        </p:spPr>
+        <p:txBody>
+          <a:bodyPr wrap="square" rtlCol="0">
+            <a:spAutoFit/>
+          </a:bodyPr>
+          <a:lstStyle/>
+          <a:p>
+            <a:r>
+              <a:rPr lang="ko-KR" altLang="en-US" sz="1400" dirty="0" smtClean="0">
+                <a:ln>
+                  <a:solidFill>
+                    <a:schemeClr val="bg1">
+                      <a:lumMod val="85000"/>
+                      <a:alpha val="30000"/>
+                    </a:schemeClr>
+                  </a:solidFill>
+                </a:ln>
+                <a:solidFill>
+                  <a:schemeClr val="bg1">
+                    <a:lumMod val="85000"/>
+                  </a:schemeClr>
+                </a:solidFill>
+                <a:latin typeface="HY헤드라인M" pitchFamily="18" charset="-127"/>
+                <a:ea typeface="HY헤드라인M" pitchFamily="18" charset="-127"/>
+              </a:rPr>
+              <a:t>강사 </a:t>
+            </a:r>
+            <a:r>
+              <a:rPr lang="en-US" altLang="ko-KR" sz="1400" dirty="0" smtClean="0">
+                <a:ln>
+                  <a:solidFill>
+                    <a:schemeClr val="bg1">
+                      <a:lumMod val="85000"/>
+                      <a:alpha val="30000"/>
+                    </a:schemeClr>
+                  </a:solidFill>
+                </a:ln>
+                <a:solidFill>
+                  <a:schemeClr val="bg1">
+                    <a:lumMod val="85000"/>
+                  </a:schemeClr>
+                </a:solidFill>
+                <a:latin typeface="HY헤드라인M" pitchFamily="18" charset="-127"/>
+                <a:ea typeface="HY헤드라인M" pitchFamily="18" charset="-127"/>
+              </a:rPr>
+              <a:t>|  </a:t>
+            </a:r>
+            <a:r>
+              <a:rPr lang="ko-KR" altLang="en-US" sz="1400" dirty="0" smtClean="0">
+                <a:ln>
+                  <a:solidFill>
+                    <a:schemeClr val="bg1">
+                      <a:lumMod val="85000"/>
+                      <a:alpha val="30000"/>
+                    </a:schemeClr>
+                  </a:solidFill>
+                </a:ln>
+                <a:solidFill>
+                  <a:schemeClr val="bg1">
+                    <a:lumMod val="85000"/>
+                  </a:schemeClr>
+                </a:solidFill>
+                <a:latin typeface="HY헤드라인M" pitchFamily="18" charset="-127"/>
+                <a:ea typeface="HY헤드라인M" pitchFamily="18" charset="-127"/>
+              </a:rPr>
+              <a:t>최정호</a:t>
+            </a:r>
+            <a:endParaRPr lang="en-US" altLang="ko-KR" sz="1400" dirty="0" smtClean="0">
+              <a:ln>
+                <a:solidFill>
+                  <a:schemeClr val="bg1">
+                    <a:lumMod val="85000"/>
+                    <a:alpha val="30000"/>
+                  </a:schemeClr>
+                </a:solidFill>
+              </a:ln>
+              <a:solidFill>
+                <a:schemeClr val="bg1">
+                  <a:lumMod val="85000"/>
+                </a:schemeClr>
+              </a:solidFill>
+              <a:latin typeface="HY헤드라인M" pitchFamily="18" charset="-127"/>
+              <a:ea typeface="HY헤드라인M" pitchFamily="18" charset="-127"/>
+            </a:endParaRPr>
+          </a:p>
+        </p:txBody>
+      </p:sp>
+    </p:spTree>
+    <p:extLst>
+      <p:ext uri="{BB962C8B-B14F-4D97-AF65-F5344CB8AC3E}">
+        <p14:creationId xmlns:p14="http://schemas.microsoft.com/office/powerpoint/2010/main" xmlns="" val="3836861919"/>
+      </p:ext>
+    </p:extLst>
+  </p:cSld>
+  <p:clrMapOvr>
+    <a:masterClrMapping/>
+  </p:clrMapOvr>
+  <mc:AlternateContent xmlns:mc="http://schemas.openxmlformats.org/markup-compatibility/2006">
+    <mc:Choice xmlns:p14="http://schemas.microsoft.com/office/powerpoint/2010/main" xmlns="" Requires="p14">
+      <p:transition spd="med" p14:dur="700">
+        <p:fade/>
+      </p:transition>
+    </mc:Choice>
+    <mc:Fallback>
+      <p:transition spd="med">
         <p:fade/>
       </p:transition>
     </mc:Fallback>
@@ -26392,20 +27168,20 @@
     </p:spTree>
     <p:extLst>
       <p:ext uri="{BB962C8B-B14F-4D97-AF65-F5344CB8AC3E}">
-        <p14:creationId xmlns:p14="http://schemas.microsoft.com/office/powerpoint/2010/main" val="2845001630"/>
+        <p14:creationId xmlns:p14="http://schemas.microsoft.com/office/powerpoint/2010/main" xmlns="" val="2845001630"/>
       </p:ext>
     </p:extLst>
   </p:cSld>
   <p:clrMapOvr>
     <a:masterClrMapping/>
   </p:clrMapOvr>
-  <mc:AlternateContent xmlns:mc="http://schemas.openxmlformats.org/markup-compatibility/2006" xmlns:p14="http://schemas.microsoft.com/office/powerpoint/2010/main">
-    <mc:Choice Requires="p14">
+  <mc:AlternateContent xmlns:mc="http://schemas.openxmlformats.org/markup-compatibility/2006">
+    <mc:Choice xmlns:p14="http://schemas.microsoft.com/office/powerpoint/2010/main" xmlns="" Requires="p14">
       <p:transition spd="med" p14:dur="700">
         <p:fade/>
       </p:transition>
     </mc:Choice>
-    <mc:Fallback xmlns="">
+    <mc:Fallback>
       <p:transition spd="med">
         <p:fade/>
       </p:transition>
@@ -27645,20 +28421,20 @@
     </p:spTree>
     <p:extLst>
       <p:ext uri="{BB962C8B-B14F-4D97-AF65-F5344CB8AC3E}">
-        <p14:creationId xmlns:p14="http://schemas.microsoft.com/office/powerpoint/2010/main" val="3905649842"/>
+        <p14:creationId xmlns:p14="http://schemas.microsoft.com/office/powerpoint/2010/main" xmlns="" val="3905649842"/>
       </p:ext>
     </p:extLst>
   </p:cSld>
   <p:clrMapOvr>
     <a:masterClrMapping/>
   </p:clrMapOvr>
-  <mc:AlternateContent xmlns:mc="http://schemas.openxmlformats.org/markup-compatibility/2006" xmlns:p14="http://schemas.microsoft.com/office/powerpoint/2010/main">
-    <mc:Choice Requires="p14">
+  <mc:AlternateContent xmlns:mc="http://schemas.openxmlformats.org/markup-compatibility/2006">
+    <mc:Choice xmlns:p14="http://schemas.microsoft.com/office/powerpoint/2010/main" xmlns="" Requires="p14">
       <p:transition spd="med" p14:dur="700">
         <p:fade/>
       </p:transition>
     </mc:Choice>
-    <mc:Fallback xmlns="">
+    <mc:Fallback>
       <p:transition spd="med">
         <p:fade/>
       </p:transition>
@@ -29075,20 +29851,20 @@
     </p:spTree>
     <p:extLst>
       <p:ext uri="{BB962C8B-B14F-4D97-AF65-F5344CB8AC3E}">
-        <p14:creationId xmlns:p14="http://schemas.microsoft.com/office/powerpoint/2010/main" val="4168201253"/>
+        <p14:creationId xmlns:p14="http://schemas.microsoft.com/office/powerpoint/2010/main" xmlns="" val="4168201253"/>
       </p:ext>
     </p:extLst>
   </p:cSld>
   <p:clrMapOvr>
     <a:masterClrMapping/>
   </p:clrMapOvr>
-  <mc:AlternateContent xmlns:mc="http://schemas.openxmlformats.org/markup-compatibility/2006" xmlns:p14="http://schemas.microsoft.com/office/powerpoint/2010/main">
-    <mc:Choice Requires="p14">
+  <mc:AlternateContent xmlns:mc="http://schemas.openxmlformats.org/markup-compatibility/2006">
+    <mc:Choice xmlns:p14="http://schemas.microsoft.com/office/powerpoint/2010/main" xmlns="" Requires="p14">
       <p:transition spd="med" p14:dur="700">
         <p:fade/>
       </p:transition>
     </mc:Choice>
-    <mc:Fallback xmlns="">
+    <mc:Fallback>
       <p:transition spd="med">
         <p:fade/>
       </p:transition>
@@ -30060,20 +30836,20 @@
     </p:spTree>
     <p:extLst>
       <p:ext uri="{BB962C8B-B14F-4D97-AF65-F5344CB8AC3E}">
-        <p14:creationId xmlns:p14="http://schemas.microsoft.com/office/powerpoint/2010/main" val="774971409"/>
+        <p14:creationId xmlns:p14="http://schemas.microsoft.com/office/powerpoint/2010/main" xmlns="" val="774971409"/>
       </p:ext>
     </p:extLst>
   </p:cSld>
   <p:clrMapOvr>
     <a:masterClrMapping/>
   </p:clrMapOvr>
-  <mc:AlternateContent xmlns:mc="http://schemas.openxmlformats.org/markup-compatibility/2006" xmlns:p14="http://schemas.microsoft.com/office/powerpoint/2010/main">
-    <mc:Choice Requires="p14">
+  <mc:AlternateContent xmlns:mc="http://schemas.openxmlformats.org/markup-compatibility/2006">
+    <mc:Choice xmlns:p14="http://schemas.microsoft.com/office/powerpoint/2010/main" xmlns="" Requires="p14">
       <p:transition spd="med" p14:dur="700">
         <p:fade/>
       </p:transition>
     </mc:Choice>
-    <mc:Fallback xmlns="">
+    <mc:Fallback>
       <p:transition spd="med">
         <p:fade/>
       </p:transition>
@@ -30180,20 +30956,20 @@
     </p:spTree>
     <p:extLst>
       <p:ext uri="{BB962C8B-B14F-4D97-AF65-F5344CB8AC3E}">
-        <p14:creationId xmlns:p14="http://schemas.microsoft.com/office/powerpoint/2010/main" val="3836861919"/>
+        <p14:creationId xmlns:p14="http://schemas.microsoft.com/office/powerpoint/2010/main" xmlns="" val="3836861919"/>
       </p:ext>
     </p:extLst>
   </p:cSld>
   <p:clrMapOvr>
     <a:masterClrMapping/>
   </p:clrMapOvr>
-  <mc:AlternateContent xmlns:mc="http://schemas.openxmlformats.org/markup-compatibility/2006" xmlns:p14="http://schemas.microsoft.com/office/powerpoint/2010/main">
-    <mc:Choice Requires="p14">
+  <mc:AlternateContent xmlns:mc="http://schemas.openxmlformats.org/markup-compatibility/2006">
+    <mc:Choice xmlns:p14="http://schemas.microsoft.com/office/powerpoint/2010/main" xmlns="" Requires="p14">
       <p:transition spd="med" p14:dur="700">
         <p:fade/>
       </p:transition>
     </mc:Choice>
-    <mc:Fallback xmlns="">
+    <mc:Fallback>
       <p:transition spd="med">
         <p:fade/>
       </p:transition>
@@ -31218,20 +31994,20 @@
     </p:spTree>
     <p:extLst>
       <p:ext uri="{BB962C8B-B14F-4D97-AF65-F5344CB8AC3E}">
-        <p14:creationId xmlns:p14="http://schemas.microsoft.com/office/powerpoint/2010/main" val="1025765630"/>
+        <p14:creationId xmlns:p14="http://schemas.microsoft.com/office/powerpoint/2010/main" xmlns="" val="1025765630"/>
       </p:ext>
     </p:extLst>
   </p:cSld>
   <p:clrMapOvr>
     <a:masterClrMapping/>
   </p:clrMapOvr>
-  <mc:AlternateContent xmlns:mc="http://schemas.openxmlformats.org/markup-compatibility/2006" xmlns:p14="http://schemas.microsoft.com/office/powerpoint/2010/main">
-    <mc:Choice Requires="p14">
+  <mc:AlternateContent xmlns:mc="http://schemas.openxmlformats.org/markup-compatibility/2006">
+    <mc:Choice xmlns:p14="http://schemas.microsoft.com/office/powerpoint/2010/main" xmlns="" Requires="p14">
       <p:transition spd="med" p14:dur="700">
         <p:fade/>
       </p:transition>
     </mc:Choice>
-    <mc:Fallback xmlns="">
+    <mc:Fallback>
       <p:transition spd="med">
         <p:fade/>
       </p:transition>
